--- a/Cyclistic Case Study.pptx
+++ b/Cyclistic Case Study.pptx
@@ -138,7 +138,7 @@
   <pc:docChgLst>
     <pc:chgData name="Ermias Molla" userId="aaa09fd5ff7da740" providerId="LiveId" clId="{DA094B36-A951-4B30-AD36-E9EB18B93615}"/>
     <pc:docChg chg="undo redo custSel addSld delSld modSld sldOrd addMainMaster delMainMaster modMainMaster">
-      <pc:chgData name="Ermias Molla" userId="aaa09fd5ff7da740" providerId="LiveId" clId="{DA094B36-A951-4B30-AD36-E9EB18B93615}" dt="2022-07-21T01:15:39.560" v="4341" actId="20577"/>
+      <pc:chgData name="Ermias Molla" userId="aaa09fd5ff7da740" providerId="LiveId" clId="{DA094B36-A951-4B30-AD36-E9EB18B93615}" dt="2022-07-22T23:38:44.648" v="4343" actId="6549"/>
       <pc:docMkLst>
         <pc:docMk/>
       </pc:docMkLst>
@@ -1394,7 +1394,7 @@
         </pc:spChg>
       </pc:sldChg>
       <pc:sldChg chg="addSp delSp modSp add mod ord setBg delDesignElem">
-        <pc:chgData name="Ermias Molla" userId="aaa09fd5ff7da740" providerId="LiveId" clId="{DA094B36-A951-4B30-AD36-E9EB18B93615}" dt="2022-07-19T03:22:54.335" v="3236" actId="1076"/>
+        <pc:chgData name="Ermias Molla" userId="aaa09fd5ff7da740" providerId="LiveId" clId="{DA094B36-A951-4B30-AD36-E9EB18B93615}" dt="2022-07-22T23:38:44.648" v="4343" actId="6549"/>
         <pc:sldMkLst>
           <pc:docMk/>
           <pc:sldMk cId="1844230848" sldId="268"/>
@@ -1416,7 +1416,7 @@
           </ac:spMkLst>
         </pc:spChg>
         <pc:spChg chg="add mod">
-          <ac:chgData name="Ermias Molla" userId="aaa09fd5ff7da740" providerId="LiveId" clId="{DA094B36-A951-4B30-AD36-E9EB18B93615}" dt="2022-07-19T03:22:54.335" v="3236" actId="1076"/>
+          <ac:chgData name="Ermias Molla" userId="aaa09fd5ff7da740" providerId="LiveId" clId="{DA094B36-A951-4B30-AD36-E9EB18B93615}" dt="2022-07-22T23:38:44.648" v="4343" actId="6549"/>
           <ac:spMkLst>
             <pc:docMk/>
             <pc:sldMk cId="1844230848" sldId="268"/>
@@ -12740,15 +12740,7 @@
           <a:p>
             <a:r>
               <a:rPr lang="en-US" sz="3200" dirty="0"/>
-              <a:t>Identify the key differences in usage between members </a:t>
-            </a:r>
-            <a:r>
-              <a:rPr lang="en-US" sz="3200"/>
-              <a:t>and casual </a:t>
-            </a:r>
-            <a:r>
-              <a:rPr lang="en-US" sz="3200" dirty="0"/>
-              <a:t>riders</a:t>
+              <a:t>Identify the key differences in usage between members and casual riders</a:t>
             </a:r>
           </a:p>
         </p:txBody>
@@ -15553,7 +15545,19 @@
               <a:rPr lang="en-US" sz="1600" dirty="0">
                 <a:latin typeface="+mn-lt"/>
               </a:rPr>
-              <a:t>Casual: More likely to use bikes near lake Michigan and other tourist hotspots with more rides on weekends  indicating people are using the bike for leisure</a:t>
+              <a:t>Casual: More likely to use bikes near lake Michigan and other tourist hotspots with more rides </a:t>
+            </a:r>
+            <a:r>
+              <a:rPr lang="en-US" sz="1600">
+                <a:latin typeface="+mn-lt"/>
+              </a:rPr>
+              <a:t>on weekends </a:t>
+            </a:r>
+            <a:r>
+              <a:rPr lang="en-US" sz="1600" dirty="0">
+                <a:latin typeface="+mn-lt"/>
+              </a:rPr>
+              <a:t>indicating people are using the bike for leisure</a:t>
             </a:r>
           </a:p>
           <a:p>
@@ -15610,7 +15614,7 @@
               <a:rPr lang="en-US" sz="1600" dirty="0">
                 <a:latin typeface="+mn-lt"/>
               </a:rPr>
-              <a:t>Members: More likely to use in the downtown area and on weekdays, indicating these user are commuters to the city for work.</a:t>
+              <a:t>Members: More likely to use in the downtown area and on weekdays, indicating these users are commuters to the city for work.</a:t>
             </a:r>
           </a:p>
         </p:txBody>

--- a/Cyclistic Case Study.pptx
+++ b/Cyclistic Case Study.pptx
@@ -16,9 +16,8 @@
     <p:sldId id="268" r:id="rId10"/>
     <p:sldId id="262" r:id="rId11"/>
     <p:sldId id="264" r:id="rId12"/>
-    <p:sldId id="267" r:id="rId13"/>
-    <p:sldId id="265" r:id="rId14"/>
-    <p:sldId id="266" r:id="rId15"/>
+    <p:sldId id="265" r:id="rId13"/>
+    <p:sldId id="266" r:id="rId14"/>
   </p:sldIdLst>
   <p:sldSz cx="12192000" cy="6858000"/>
   <p:notesSz cx="6858000" cy="9144000"/>
@@ -128,7 +127,7 @@
 <file path=ppt/revisionInfo.xml><?xml version="1.0" encoding="utf-8"?>
 <p1510:revInfo xmlns:a="http://schemas.openxmlformats.org/drawingml/2006/main" xmlns:r="http://schemas.openxmlformats.org/officeDocument/2006/relationships" xmlns:p1510="http://schemas.microsoft.com/office/powerpoint/2015/10/main">
   <p1510:revLst>
-    <p1510:client id="{DA094B36-A951-4B30-AD36-E9EB18B93615}" v="142" dt="2022-07-19T15:47:41.313"/>
+    <p1510:client id="{DA094B36-A951-4B30-AD36-E9EB18B93615}" v="157" dt="2022-07-23T12:59:50.440"/>
   </p1510:revLst>
 </p1510:revInfo>
 </file>
@@ -138,7 +137,7 @@
   <pc:docChgLst>
     <pc:chgData name="Ermias Molla" userId="aaa09fd5ff7da740" providerId="LiveId" clId="{DA094B36-A951-4B30-AD36-E9EB18B93615}"/>
     <pc:docChg chg="undo redo custSel addSld delSld modSld sldOrd addMainMaster delMainMaster modMainMaster">
-      <pc:chgData name="Ermias Molla" userId="aaa09fd5ff7da740" providerId="LiveId" clId="{DA094B36-A951-4B30-AD36-E9EB18B93615}" dt="2022-07-22T23:38:44.648" v="4343" actId="6549"/>
+      <pc:chgData name="Ermias Molla" userId="aaa09fd5ff7da740" providerId="LiveId" clId="{DA094B36-A951-4B30-AD36-E9EB18B93615}" dt="2022-07-23T13:04:53.490" v="4527" actId="404"/>
       <pc:docMkLst>
         <pc:docMk/>
       </pc:docMkLst>
@@ -754,13 +753,13 @@
         </pc:picChg>
       </pc:sldChg>
       <pc:sldChg chg="modSp new mod ord setBg">
-        <pc:chgData name="Ermias Molla" userId="aaa09fd5ff7da740" providerId="LiveId" clId="{DA094B36-A951-4B30-AD36-E9EB18B93615}" dt="2022-07-21T01:15:39.560" v="4341" actId="20577"/>
+        <pc:chgData name="Ermias Molla" userId="aaa09fd5ff7da740" providerId="LiveId" clId="{DA094B36-A951-4B30-AD36-E9EB18B93615}" dt="2022-07-23T13:04:53.490" v="4527" actId="404"/>
         <pc:sldMkLst>
           <pc:docMk/>
           <pc:sldMk cId="3785428161" sldId="260"/>
         </pc:sldMkLst>
         <pc:spChg chg="mod">
-          <ac:chgData name="Ermias Molla" userId="aaa09fd5ff7da740" providerId="LiveId" clId="{DA094B36-A951-4B30-AD36-E9EB18B93615}" dt="2022-07-19T03:04:48.641" v="2596" actId="6549"/>
+          <ac:chgData name="Ermias Molla" userId="aaa09fd5ff7da740" providerId="LiveId" clId="{DA094B36-A951-4B30-AD36-E9EB18B93615}" dt="2022-07-23T13:04:43.193" v="4525" actId="404"/>
           <ac:spMkLst>
             <pc:docMk/>
             <pc:sldMk cId="3785428161" sldId="260"/>
@@ -768,7 +767,7 @@
           </ac:spMkLst>
         </pc:spChg>
         <pc:spChg chg="mod">
-          <ac:chgData name="Ermias Molla" userId="aaa09fd5ff7da740" providerId="LiveId" clId="{DA094B36-A951-4B30-AD36-E9EB18B93615}" dt="2022-07-21T01:15:39.560" v="4341" actId="20577"/>
+          <ac:chgData name="Ermias Molla" userId="aaa09fd5ff7da740" providerId="LiveId" clId="{DA094B36-A951-4B30-AD36-E9EB18B93615}" dt="2022-07-23T13:04:53.490" v="4527" actId="404"/>
           <ac:spMkLst>
             <pc:docMk/>
             <pc:sldMk cId="3785428161" sldId="260"/>
@@ -816,7 +815,7 @@
         </pc:picChg>
       </pc:sldChg>
       <pc:sldChg chg="addSp delSp modSp new mod setBg modClrScheme delDesignElem chgLayout">
-        <pc:chgData name="Ermias Molla" userId="aaa09fd5ff7da740" providerId="LiveId" clId="{DA094B36-A951-4B30-AD36-E9EB18B93615}" dt="2022-07-19T02:59:34.800" v="2542" actId="20577"/>
+        <pc:chgData name="Ermias Molla" userId="aaa09fd5ff7da740" providerId="LiveId" clId="{DA094B36-A951-4B30-AD36-E9EB18B93615}" dt="2022-07-23T12:59:44.611" v="4503" actId="1036"/>
         <pc:sldMkLst>
           <pc:docMk/>
           <pc:sldMk cId="150425569" sldId="262"/>
@@ -829,6 +828,14 @@
             <ac:spMk id="2" creationId="{01C0C1AE-9BC0-6B98-A848-2849F2663337}"/>
           </ac:spMkLst>
         </pc:spChg>
+        <pc:spChg chg="add del mod">
+          <ac:chgData name="Ermias Molla" userId="aaa09fd5ff7da740" providerId="LiveId" clId="{DA094B36-A951-4B30-AD36-E9EB18B93615}" dt="2022-07-23T12:46:58.878" v="4449" actId="478"/>
+          <ac:spMkLst>
+            <pc:docMk/>
+            <pc:sldMk cId="150425569" sldId="262"/>
+            <ac:spMk id="3" creationId="{40F9EDDF-1BBC-07C0-88EB-0B0E44EF5AAE}"/>
+          </ac:spMkLst>
+        </pc:spChg>
         <pc:spChg chg="del mod ord">
           <ac:chgData name="Ermias Molla" userId="aaa09fd5ff7da740" providerId="LiveId" clId="{DA094B36-A951-4B30-AD36-E9EB18B93615}" dt="2022-07-17T23:35:37.257" v="253" actId="700"/>
           <ac:spMkLst>
@@ -837,8 +844,8 @@
             <ac:spMk id="3" creationId="{A99A9B3F-7E1D-0F9E-AE83-0D31EC7D7829}"/>
           </ac:spMkLst>
         </pc:spChg>
-        <pc:spChg chg="add mod ord">
-          <ac:chgData name="Ermias Molla" userId="aaa09fd5ff7da740" providerId="LiveId" clId="{DA094B36-A951-4B30-AD36-E9EB18B93615}" dt="2022-07-19T02:59:34.800" v="2542" actId="20577"/>
+        <pc:spChg chg="add del mod ord">
+          <ac:chgData name="Ermias Molla" userId="aaa09fd5ff7da740" providerId="LiveId" clId="{DA094B36-A951-4B30-AD36-E9EB18B93615}" dt="2022-07-23T12:46:49.552" v="4442" actId="478"/>
           <ac:spMkLst>
             <pc:docMk/>
             <pc:sldMk cId="150425569" sldId="262"/>
@@ -869,6 +876,14 @@
             <ac:spMk id="7" creationId="{EF2529FF-31D6-EE90-D4DB-FC89C2072088}"/>
           </ac:spMkLst>
         </pc:spChg>
+        <pc:spChg chg="add del mod">
+          <ac:chgData name="Ermias Molla" userId="aaa09fd5ff7da740" providerId="LiveId" clId="{DA094B36-A951-4B30-AD36-E9EB18B93615}" dt="2022-07-23T12:46:46.692" v="4440" actId="478"/>
+          <ac:spMkLst>
+            <pc:docMk/>
+            <pc:sldMk cId="150425569" sldId="262"/>
+            <ac:spMk id="9" creationId="{DCFE712D-74D7-ACD3-FD05-680534D56B40}"/>
+          </ac:spMkLst>
+        </pc:spChg>
         <pc:spChg chg="add del">
           <ac:chgData name="Ermias Molla" userId="aaa09fd5ff7da740" providerId="LiveId" clId="{DA094B36-A951-4B30-AD36-E9EB18B93615}" dt="2022-07-19T02:13:45.007" v="742"/>
           <ac:spMkLst>
@@ -877,6 +892,14 @@
             <ac:spMk id="12" creationId="{8A7BA06D-B3FF-4E91-8639-B4569AE3AA23}"/>
           </ac:spMkLst>
         </pc:spChg>
+        <pc:spChg chg="add mod">
+          <ac:chgData name="Ermias Molla" userId="aaa09fd5ff7da740" providerId="LiveId" clId="{DA094B36-A951-4B30-AD36-E9EB18B93615}" dt="2022-07-23T12:46:56.278" v="4448" actId="20577"/>
+          <ac:spMkLst>
+            <pc:docMk/>
+            <pc:sldMk cId="150425569" sldId="262"/>
+            <ac:spMk id="13" creationId="{32129215-6E4D-BF57-006B-B24DE1AA90EC}"/>
+          </ac:spMkLst>
+        </pc:spChg>
         <pc:spChg chg="add del">
           <ac:chgData name="Ermias Molla" userId="aaa09fd5ff7da740" providerId="LiveId" clId="{DA094B36-A951-4B30-AD36-E9EB18B93615}" dt="2022-07-19T02:13:45.007" v="742"/>
           <ac:spMkLst>
@@ -885,6 +908,14 @@
             <ac:spMk id="14" creationId="{2B30C86D-5A07-48BC-9C9D-6F9A2DB1E9E1}"/>
           </ac:spMkLst>
         </pc:spChg>
+        <pc:spChg chg="add del mod">
+          <ac:chgData name="Ermias Molla" userId="aaa09fd5ff7da740" providerId="LiveId" clId="{DA094B36-A951-4B30-AD36-E9EB18B93615}" dt="2022-07-23T12:48:16.759" v="4451"/>
+          <ac:spMkLst>
+            <pc:docMk/>
+            <pc:sldMk cId="150425569" sldId="262"/>
+            <ac:spMk id="15" creationId="{3B79F8CB-22E5-5F7A-0761-C9028082415A}"/>
+          </ac:spMkLst>
+        </pc:spChg>
         <pc:spChg chg="add del">
           <ac:chgData name="Ermias Molla" userId="aaa09fd5ff7da740" providerId="LiveId" clId="{DA094B36-A951-4B30-AD36-E9EB18B93615}" dt="2022-07-19T02:13:45.007" v="742"/>
           <ac:spMkLst>
@@ -893,12 +924,28 @@
             <ac:spMk id="16" creationId="{8930EBA3-4D2E-42E8-B828-834555328D85}"/>
           </ac:spMkLst>
         </pc:spChg>
+        <pc:spChg chg="add mod">
+          <ac:chgData name="Ermias Molla" userId="aaa09fd5ff7da740" providerId="LiveId" clId="{DA094B36-A951-4B30-AD36-E9EB18B93615}" dt="2022-07-23T12:54:47.160" v="4473" actId="33524"/>
+          <ac:spMkLst>
+            <pc:docMk/>
+            <pc:sldMk cId="150425569" sldId="262"/>
+            <ac:spMk id="17" creationId="{9398276E-CB01-504A-2BB8-9D7A8DA3928B}"/>
+          </ac:spMkLst>
+        </pc:spChg>
         <pc:spChg chg="add del">
           <ac:chgData name="Ermias Molla" userId="aaa09fd5ff7da740" providerId="LiveId" clId="{DA094B36-A951-4B30-AD36-E9EB18B93615}" dt="2022-07-19T02:13:45.007" v="742"/>
           <ac:spMkLst>
             <pc:docMk/>
             <pc:sldMk cId="150425569" sldId="262"/>
             <ac:spMk id="18" creationId="{E58B2195-5055-402F-A3E7-53FF0E4980C3}"/>
+          </ac:spMkLst>
+        </pc:spChg>
+        <pc:spChg chg="add mod">
+          <ac:chgData name="Ermias Molla" userId="aaa09fd5ff7da740" providerId="LiveId" clId="{DA094B36-A951-4B30-AD36-E9EB18B93615}" dt="2022-07-23T12:59:44.611" v="4503" actId="1036"/>
+          <ac:spMkLst>
+            <pc:docMk/>
+            <pc:sldMk cId="150425569" sldId="262"/>
+            <ac:spMk id="19" creationId="{26154B53-FFD5-E887-78F4-2E8D739C7832}"/>
           </ac:spMkLst>
         </pc:spChg>
         <pc:spChg chg="add del">
@@ -1206,13 +1253,13 @@
         </pc:picChg>
       </pc:sldChg>
       <pc:sldChg chg="addSp delSp modSp add mod delDesignElem chgLayout">
-        <pc:chgData name="Ermias Molla" userId="aaa09fd5ff7da740" providerId="LiveId" clId="{DA094B36-A951-4B30-AD36-E9EB18B93615}" dt="2022-07-19T02:59:41.383" v="2543" actId="20577"/>
+        <pc:chgData name="Ermias Molla" userId="aaa09fd5ff7da740" providerId="LiveId" clId="{DA094B36-A951-4B30-AD36-E9EB18B93615}" dt="2022-07-23T13:00:10.577" v="4509" actId="20577"/>
         <pc:sldMkLst>
           <pc:docMk/>
           <pc:sldMk cId="675196012" sldId="264"/>
         </pc:sldMkLst>
-        <pc:spChg chg="add mod ord">
-          <ac:chgData name="Ermias Molla" userId="aaa09fd5ff7da740" providerId="LiveId" clId="{DA094B36-A951-4B30-AD36-E9EB18B93615}" dt="2022-07-19T02:13:45.007" v="742"/>
+        <pc:spChg chg="add del mod ord">
+          <ac:chgData name="Ermias Molla" userId="aaa09fd5ff7da740" providerId="LiveId" clId="{DA094B36-A951-4B30-AD36-E9EB18B93615}" dt="2022-07-23T12:42:07.781" v="4357" actId="478"/>
           <ac:spMkLst>
             <pc:docMk/>
             <pc:sldMk cId="675196012" sldId="264"/>
@@ -1227,14 +1274,54 @@
             <ac:spMk id="3" creationId="{1516B5B7-134C-CE77-2B12-A732F065562C}"/>
           </ac:spMkLst>
         </pc:spChg>
-        <pc:spChg chg="mod ord">
-          <ac:chgData name="Ermias Molla" userId="aaa09fd5ff7da740" providerId="LiveId" clId="{DA094B36-A951-4B30-AD36-E9EB18B93615}" dt="2022-07-19T02:59:41.383" v="2543" actId="20577"/>
+        <pc:spChg chg="del mod ord">
+          <ac:chgData name="Ermias Molla" userId="aaa09fd5ff7da740" providerId="LiveId" clId="{DA094B36-A951-4B30-AD36-E9EB18B93615}" dt="2022-07-23T12:46:31.129" v="4436" actId="478"/>
           <ac:spMkLst>
             <pc:docMk/>
             <pc:sldMk cId="675196012" sldId="264"/>
             <ac:spMk id="4" creationId="{A97745AE-B287-667F-5552-86693707F918}"/>
           </ac:spMkLst>
         </pc:spChg>
+        <pc:spChg chg="add del">
+          <ac:chgData name="Ermias Molla" userId="aaa09fd5ff7da740" providerId="LiveId" clId="{DA094B36-A951-4B30-AD36-E9EB18B93615}" dt="2022-07-23T12:42:02.112" v="4356" actId="22"/>
+          <ac:spMkLst>
+            <pc:docMk/>
+            <pc:sldMk cId="675196012" sldId="264"/>
+            <ac:spMk id="5" creationId="{2F704594-4CD1-91D9-B9DB-5F4A6A88083C}"/>
+          </ac:spMkLst>
+        </pc:spChg>
+        <pc:spChg chg="add del mod">
+          <ac:chgData name="Ermias Molla" userId="aaa09fd5ff7da740" providerId="LiveId" clId="{DA094B36-A951-4B30-AD36-E9EB18B93615}" dt="2022-07-23T12:42:45.992" v="4365" actId="478"/>
+          <ac:spMkLst>
+            <pc:docMk/>
+            <pc:sldMk cId="675196012" sldId="264"/>
+            <ac:spMk id="7" creationId="{97714B8A-AE9F-C7A3-2C9A-EEFE5745DC76}"/>
+          </ac:spMkLst>
+        </pc:spChg>
+        <pc:spChg chg="add mod">
+          <ac:chgData name="Ermias Molla" userId="aaa09fd5ff7da740" providerId="LiveId" clId="{DA094B36-A951-4B30-AD36-E9EB18B93615}" dt="2022-07-23T12:49:21.384" v="4468" actId="20577"/>
+          <ac:spMkLst>
+            <pc:docMk/>
+            <pc:sldMk cId="675196012" sldId="264"/>
+            <ac:spMk id="8" creationId="{9399B6D0-488D-FF28-D969-3978694E1BDF}"/>
+          </ac:spMkLst>
+        </pc:spChg>
+        <pc:spChg chg="add del mod">
+          <ac:chgData name="Ermias Molla" userId="aaa09fd5ff7da740" providerId="LiveId" clId="{DA094B36-A951-4B30-AD36-E9EB18B93615}" dt="2022-07-23T12:46:37.381" v="4438" actId="478"/>
+          <ac:spMkLst>
+            <pc:docMk/>
+            <pc:sldMk cId="675196012" sldId="264"/>
+            <ac:spMk id="9" creationId="{11596867-FB82-8BCA-EED8-3471966A12B0}"/>
+          </ac:spMkLst>
+        </pc:spChg>
+        <pc:spChg chg="add mod">
+          <ac:chgData name="Ermias Molla" userId="aaa09fd5ff7da740" providerId="LiveId" clId="{DA094B36-A951-4B30-AD36-E9EB18B93615}" dt="2022-07-23T12:46:24.583" v="4434"/>
+          <ac:spMkLst>
+            <pc:docMk/>
+            <pc:sldMk cId="675196012" sldId="264"/>
+            <ac:spMk id="10" creationId="{A7FDD295-FCA3-5714-4C14-2831713ACFF7}"/>
+          </ac:spMkLst>
+        </pc:spChg>
         <pc:spChg chg="del">
           <ac:chgData name="Ermias Molla" userId="aaa09fd5ff7da740" providerId="LiveId" clId="{DA094B36-A951-4B30-AD36-E9EB18B93615}" dt="2022-07-18T01:21:59.582" v="298" actId="700"/>
           <ac:spMkLst>
@@ -1243,6 +1330,22 @@
             <ac:spMk id="12" creationId="{8A7BA06D-B3FF-4E91-8639-B4569AE3AA23}"/>
           </ac:spMkLst>
         </pc:spChg>
+        <pc:spChg chg="add del mod">
+          <ac:chgData name="Ermias Molla" userId="aaa09fd5ff7da740" providerId="LiveId" clId="{DA094B36-A951-4B30-AD36-E9EB18B93615}" dt="2022-07-23T12:46:34.582" v="4437" actId="478"/>
+          <ac:spMkLst>
+            <pc:docMk/>
+            <pc:sldMk cId="675196012" sldId="264"/>
+            <ac:spMk id="12" creationId="{F90767E3-8813-937C-4E8A-81CAE8CA9A84}"/>
+          </ac:spMkLst>
+        </pc:spChg>
+        <pc:spChg chg="add del mod">
+          <ac:chgData name="Ermias Molla" userId="aaa09fd5ff7da740" providerId="LiveId" clId="{DA094B36-A951-4B30-AD36-E9EB18B93615}" dt="2022-07-23T12:59:11.893" v="4494" actId="21"/>
+          <ac:spMkLst>
+            <pc:docMk/>
+            <pc:sldMk cId="675196012" sldId="264"/>
+            <ac:spMk id="13" creationId="{A3CDD3CD-B9D6-8024-C28E-8C109ADB3F8F}"/>
+          </ac:spMkLst>
+        </pc:spChg>
         <pc:spChg chg="del">
           <ac:chgData name="Ermias Molla" userId="aaa09fd5ff7da740" providerId="LiveId" clId="{DA094B36-A951-4B30-AD36-E9EB18B93615}" dt="2022-07-18T01:21:59.582" v="298" actId="700"/>
           <ac:spMkLst>
@@ -1251,6 +1354,14 @@
             <ac:spMk id="14" creationId="{2B30C86D-5A07-48BC-9C9D-6F9A2DB1E9E1}"/>
           </ac:spMkLst>
         </pc:spChg>
+        <pc:spChg chg="add del mod">
+          <ac:chgData name="Ermias Molla" userId="aaa09fd5ff7da740" providerId="LiveId" clId="{DA094B36-A951-4B30-AD36-E9EB18B93615}" dt="2022-07-23T12:59:20.995" v="4498" actId="478"/>
+          <ac:spMkLst>
+            <pc:docMk/>
+            <pc:sldMk cId="675196012" sldId="264"/>
+            <ac:spMk id="15" creationId="{23BBAF76-8958-9D09-2F84-0A9B2A483B6E}"/>
+          </ac:spMkLst>
+        </pc:spChg>
         <pc:spChg chg="del">
           <ac:chgData name="Ermias Molla" userId="aaa09fd5ff7da740" providerId="LiveId" clId="{DA094B36-A951-4B30-AD36-E9EB18B93615}" dt="2022-07-18T01:21:59.582" v="298" actId="700"/>
           <ac:spMkLst>
@@ -1259,6 +1370,14 @@
             <ac:spMk id="16" creationId="{8930EBA3-4D2E-42E8-B828-834555328D85}"/>
           </ac:spMkLst>
         </pc:spChg>
+        <pc:spChg chg="add mod">
+          <ac:chgData name="Ermias Molla" userId="aaa09fd5ff7da740" providerId="LiveId" clId="{DA094B36-A951-4B30-AD36-E9EB18B93615}" dt="2022-07-23T13:00:10.577" v="4509" actId="20577"/>
+          <ac:spMkLst>
+            <pc:docMk/>
+            <pc:sldMk cId="675196012" sldId="264"/>
+            <ac:spMk id="16" creationId="{C7C8D53B-C9AD-983D-4E47-EC302392F77D}"/>
+          </ac:spMkLst>
+        </pc:spChg>
         <pc:spChg chg="del">
           <ac:chgData name="Ermias Molla" userId="aaa09fd5ff7da740" providerId="LiveId" clId="{DA094B36-A951-4B30-AD36-E9EB18B93615}" dt="2022-07-18T01:21:59.582" v="298" actId="700"/>
           <ac:spMkLst>
@@ -1277,19 +1396,75 @@
         </pc:spChg>
       </pc:sldChg>
       <pc:sldChg chg="addSp delSp modSp add mod ord delDesignElem">
-        <pc:chgData name="Ermias Molla" userId="aaa09fd5ff7da740" providerId="LiveId" clId="{DA094B36-A951-4B30-AD36-E9EB18B93615}" dt="2022-07-19T02:13:45.007" v="742"/>
+        <pc:chgData name="Ermias Molla" userId="aaa09fd5ff7da740" providerId="LiveId" clId="{DA094B36-A951-4B30-AD36-E9EB18B93615}" dt="2022-07-23T13:00:33.022" v="4515" actId="20577"/>
         <pc:sldMkLst>
           <pc:docMk/>
           <pc:sldMk cId="29156497" sldId="265"/>
         </pc:sldMkLst>
         <pc:spChg chg="mod">
-          <ac:chgData name="Ermias Molla" userId="aaa09fd5ff7da740" providerId="LiveId" clId="{DA094B36-A951-4B30-AD36-E9EB18B93615}" dt="2022-07-18T01:23:16.181" v="324" actId="122"/>
+          <ac:chgData name="Ermias Molla" userId="aaa09fd5ff7da740" providerId="LiveId" clId="{DA094B36-A951-4B30-AD36-E9EB18B93615}" dt="2022-07-23T12:45:31.518" v="4407" actId="1076"/>
           <ac:spMkLst>
             <pc:docMk/>
             <pc:sldMk cId="29156497" sldId="265"/>
             <ac:spMk id="2" creationId="{3FB5BB00-138E-CECC-4E7B-9A37515880BE}"/>
           </ac:spMkLst>
         </pc:spChg>
+        <pc:spChg chg="del mod">
+          <ac:chgData name="Ermias Molla" userId="aaa09fd5ff7da740" providerId="LiveId" clId="{DA094B36-A951-4B30-AD36-E9EB18B93615}" dt="2022-07-23T12:58:55.506" v="4489" actId="21"/>
+          <ac:spMkLst>
+            <pc:docMk/>
+            <pc:sldMk cId="29156497" sldId="265"/>
+            <ac:spMk id="4" creationId="{7153FACC-4ADE-0D6C-F06A-405C005A26F2}"/>
+          </ac:spMkLst>
+        </pc:spChg>
+        <pc:spChg chg="add del mod">
+          <ac:chgData name="Ermias Molla" userId="aaa09fd5ff7da740" providerId="LiveId" clId="{DA094B36-A951-4B30-AD36-E9EB18B93615}" dt="2022-07-23T12:59:17.048" v="4496" actId="478"/>
+          <ac:spMkLst>
+            <pc:docMk/>
+            <pc:sldMk cId="29156497" sldId="265"/>
+            <ac:spMk id="5" creationId="{3DB50AB2-6CF7-62CB-603E-1BB1E2ABDF68}"/>
+          </ac:spMkLst>
+        </pc:spChg>
+        <pc:spChg chg="add del mod">
+          <ac:chgData name="Ermias Molla" userId="aaa09fd5ff7da740" providerId="LiveId" clId="{DA094B36-A951-4B30-AD36-E9EB18B93615}" dt="2022-07-23T12:42:40.621" v="4364" actId="21"/>
+          <ac:spMkLst>
+            <pc:docMk/>
+            <pc:sldMk cId="29156497" sldId="265"/>
+            <ac:spMk id="9" creationId="{879BDF2B-E53B-80E5-6B5D-B077771DFCA7}"/>
+          </ac:spMkLst>
+        </pc:spChg>
+        <pc:spChg chg="add del mod">
+          <ac:chgData name="Ermias Molla" userId="aaa09fd5ff7da740" providerId="LiveId" clId="{DA094B36-A951-4B30-AD36-E9EB18B93615}" dt="2022-07-23T12:46:00.765" v="4428" actId="21"/>
+          <ac:spMkLst>
+            <pc:docMk/>
+            <pc:sldMk cId="29156497" sldId="265"/>
+            <ac:spMk id="10" creationId="{34D2635E-D2A5-EC27-E570-675F0C36EFDF}"/>
+          </ac:spMkLst>
+        </pc:spChg>
+        <pc:spChg chg="add del mod">
+          <ac:chgData name="Ermias Molla" userId="aaa09fd5ff7da740" providerId="LiveId" clId="{DA094B36-A951-4B30-AD36-E9EB18B93615}" dt="2022-07-23T12:58:35.029" v="4480" actId="478"/>
+          <ac:spMkLst>
+            <pc:docMk/>
+            <pc:sldMk cId="29156497" sldId="265"/>
+            <ac:spMk id="11" creationId="{90FFC6B8-75F5-5243-EA2D-9C07EE980DC4}"/>
+          </ac:spMkLst>
+        </pc:spChg>
+        <pc:spChg chg="add mod">
+          <ac:chgData name="Ermias Molla" userId="aaa09fd5ff7da740" providerId="LiveId" clId="{DA094B36-A951-4B30-AD36-E9EB18B93615}" dt="2022-07-23T12:59:14.466" v="4495"/>
+          <ac:spMkLst>
+            <pc:docMk/>
+            <pc:sldMk cId="29156497" sldId="265"/>
+            <ac:spMk id="14" creationId="{3C8B495B-EF52-D166-44F1-B07DEFC5EAC8}"/>
+          </ac:spMkLst>
+        </pc:spChg>
+        <pc:spChg chg="add mod">
+          <ac:chgData name="Ermias Molla" userId="aaa09fd5ff7da740" providerId="LiveId" clId="{DA094B36-A951-4B30-AD36-E9EB18B93615}" dt="2022-07-23T13:00:33.022" v="4515" actId="20577"/>
+          <ac:spMkLst>
+            <pc:docMk/>
+            <pc:sldMk cId="29156497" sldId="265"/>
+            <ac:spMk id="15" creationId="{E476AD3F-087E-CBD3-D10D-A1A9537AB7CD}"/>
+          </ac:spMkLst>
+        </pc:spChg>
         <pc:spChg chg="add del">
           <ac:chgData name="Ermias Molla" userId="aaa09fd5ff7da740" providerId="LiveId" clId="{DA094B36-A951-4B30-AD36-E9EB18B93615}" dt="2022-07-19T02:13:45.007" v="742"/>
           <ac:spMkLst>
@@ -1332,19 +1507,27 @@
         </pc:spChg>
       </pc:sldChg>
       <pc:sldChg chg="addSp delSp modSp add mod ord delDesignElem">
-        <pc:chgData name="Ermias Molla" userId="aaa09fd5ff7da740" providerId="LiveId" clId="{DA094B36-A951-4B30-AD36-E9EB18B93615}" dt="2022-07-19T02:13:45.007" v="742"/>
+        <pc:chgData name="Ermias Molla" userId="aaa09fd5ff7da740" providerId="LiveId" clId="{DA094B36-A951-4B30-AD36-E9EB18B93615}" dt="2022-07-23T13:01:45.744" v="4524" actId="14100"/>
         <pc:sldMkLst>
           <pc:docMk/>
           <pc:sldMk cId="864744780" sldId="266"/>
         </pc:sldMkLst>
         <pc:spChg chg="mod">
-          <ac:chgData name="Ermias Molla" userId="aaa09fd5ff7da740" providerId="LiveId" clId="{DA094B36-A951-4B30-AD36-E9EB18B93615}" dt="2022-07-18T01:24:00.762" v="351" actId="20577"/>
+          <ac:chgData name="Ermias Molla" userId="aaa09fd5ff7da740" providerId="LiveId" clId="{DA094B36-A951-4B30-AD36-E9EB18B93615}" dt="2022-07-23T13:01:11.588" v="4519" actId="1076"/>
           <ac:spMkLst>
             <pc:docMk/>
             <pc:sldMk cId="864744780" sldId="266"/>
             <ac:spMk id="2" creationId="{F01CC830-5C59-23EC-0280-22518FEACAE2}"/>
           </ac:spMkLst>
         </pc:spChg>
+        <pc:spChg chg="mod">
+          <ac:chgData name="Ermias Molla" userId="aaa09fd5ff7da740" providerId="LiveId" clId="{DA094B36-A951-4B30-AD36-E9EB18B93615}" dt="2022-07-23T13:01:45.744" v="4524" actId="14100"/>
+          <ac:spMkLst>
+            <pc:docMk/>
+            <pc:sldMk cId="864744780" sldId="266"/>
+            <ac:spMk id="3" creationId="{E4A98955-B0A8-BC72-43AE-5A3BEF2BDDD5}"/>
+          </ac:spMkLst>
+        </pc:spChg>
         <pc:spChg chg="add del">
           <ac:chgData name="Ermias Molla" userId="aaa09fd5ff7da740" providerId="LiveId" clId="{DA094B36-A951-4B30-AD36-E9EB18B93615}" dt="2022-07-19T02:13:45.007" v="742"/>
           <ac:spMkLst>
@@ -1370,8 +1553,8 @@
           </ac:spMkLst>
         </pc:spChg>
       </pc:sldChg>
-      <pc:sldChg chg="modSp add mod ord">
-        <pc:chgData name="Ermias Molla" userId="aaa09fd5ff7da740" providerId="LiveId" clId="{DA094B36-A951-4B30-AD36-E9EB18B93615}" dt="2022-07-19T02:13:45.007" v="742"/>
+      <pc:sldChg chg="modSp add del mod ord">
+        <pc:chgData name="Ermias Molla" userId="aaa09fd5ff7da740" providerId="LiveId" clId="{DA094B36-A951-4B30-AD36-E9EB18B93615}" dt="2022-07-23T12:41:07.840" v="4350" actId="47"/>
         <pc:sldMkLst>
           <pc:docMk/>
           <pc:sldMk cId="747477399" sldId="267"/>
@@ -2187,7 +2370,7 @@
           <a:p>
             <a:fld id="{82EDB8D0-98ED-4B86-9D5F-E61ADC70144D}" type="datetimeFigureOut">
               <a:rPr lang="en-US" smtClean="0"/>
-              <a:t>7/19/2022</a:t>
+              <a:t>7/23/2022</a:t>
             </a:fld>
             <a:endParaRPr lang="en-US" dirty="0"/>
           </a:p>
@@ -2602,7 +2785,7 @@
           <a:p>
             <a:fld id="{82EDB8D0-98ED-4B86-9D5F-E61ADC70144D}" type="datetimeFigureOut">
               <a:rPr lang="en-US" smtClean="0"/>
-              <a:t>7/19/2022</a:t>
+              <a:t>7/23/2022</a:t>
             </a:fld>
             <a:endParaRPr lang="en-US"/>
           </a:p>
@@ -3094,7 +3277,7 @@
           <a:p>
             <a:fld id="{82EDB8D0-98ED-4B86-9D5F-E61ADC70144D}" type="datetimeFigureOut">
               <a:rPr lang="en-US" smtClean="0"/>
-              <a:t>7/19/2022</a:t>
+              <a:t>7/23/2022</a:t>
             </a:fld>
             <a:endParaRPr lang="en-US"/>
           </a:p>
@@ -3581,7 +3764,7 @@
           <a:p>
             <a:fld id="{82EDB8D0-98ED-4B86-9D5F-E61ADC70144D}" type="datetimeFigureOut">
               <a:rPr lang="en-US" smtClean="0"/>
-              <a:t>7/19/2022</a:t>
+              <a:t>7/23/2022</a:t>
             </a:fld>
             <a:endParaRPr lang="en-US" dirty="0"/>
           </a:p>
@@ -4350,7 +4533,7 @@
           <a:p>
             <a:fld id="{82EDB8D0-98ED-4B86-9D5F-E61ADC70144D}" type="datetimeFigureOut">
               <a:rPr lang="en-US" smtClean="0"/>
-              <a:t>7/19/2022</a:t>
+              <a:t>7/23/2022</a:t>
             </a:fld>
             <a:endParaRPr lang="en-US"/>
           </a:p>
@@ -4832,7 +5015,7 @@
           <a:p>
             <a:fld id="{82EDB8D0-98ED-4B86-9D5F-E61ADC70144D}" type="datetimeFigureOut">
               <a:rPr lang="en-US" smtClean="0"/>
-              <a:t>7/19/2022</a:t>
+              <a:t>7/23/2022</a:t>
             </a:fld>
             <a:endParaRPr lang="en-US"/>
           </a:p>
@@ -5528,7 +5711,7 @@
           <a:p>
             <a:fld id="{82EDB8D0-98ED-4B86-9D5F-E61ADC70144D}" type="datetimeFigureOut">
               <a:rPr lang="en-US" smtClean="0"/>
-              <a:t>7/19/2022</a:t>
+              <a:t>7/23/2022</a:t>
             </a:fld>
             <a:endParaRPr lang="en-US"/>
           </a:p>
@@ -5953,7 +6136,7 @@
           <a:p>
             <a:fld id="{82EDB8D0-98ED-4B86-9D5F-E61ADC70144D}" type="datetimeFigureOut">
               <a:rPr lang="en-US" smtClean="0"/>
-              <a:t>7/19/2022</a:t>
+              <a:t>7/23/2022</a:t>
             </a:fld>
             <a:endParaRPr lang="en-US"/>
           </a:p>
@@ -6350,7 +6533,7 @@
           <a:p>
             <a:fld id="{82EDB8D0-98ED-4B86-9D5F-E61ADC70144D}" type="datetimeFigureOut">
               <a:rPr lang="en-US" smtClean="0"/>
-              <a:t>7/19/2022</a:t>
+              <a:t>7/23/2022</a:t>
             </a:fld>
             <a:endParaRPr lang="en-US"/>
           </a:p>
@@ -6945,7 +7128,7 @@
           <a:p>
             <a:fld id="{82EDB8D0-98ED-4B86-9D5F-E61ADC70144D}" type="datetimeFigureOut">
               <a:rPr lang="en-US" smtClean="0"/>
-              <a:t>7/19/2022</a:t>
+              <a:t>7/23/2022</a:t>
             </a:fld>
             <a:endParaRPr lang="en-US"/>
           </a:p>
@@ -7520,7 +7703,7 @@
           <a:p>
             <a:fld id="{82EDB8D0-98ED-4B86-9D5F-E61ADC70144D}" type="datetimeFigureOut">
               <a:rPr lang="en-US" smtClean="0"/>
-              <a:t>7/19/2022</a:t>
+              <a:t>7/23/2022</a:t>
             </a:fld>
             <a:endParaRPr lang="en-US"/>
           </a:p>
@@ -8077,7 +8260,7 @@
             <a:fld id="{82EDB8D0-98ED-4B86-9D5F-E61ADC70144D}" type="datetimeFigureOut">
               <a:rPr lang="en-US" smtClean="0"/>
               <a:pPr/>
-              <a:t>7/19/2022</a:t>
+              <a:t>7/23/2022</a:t>
             </a:fld>
             <a:endParaRPr lang="en-US" dirty="0"/>
           </a:p>
@@ -9653,49 +9836,6 @@
       </p:sp>
       <p:sp>
         <p:nvSpPr>
-          <p:cNvPr id="4" name="Title 3">
-            <a:extLst>
-              <a:ext uri="{FF2B5EF4-FFF2-40B4-BE49-F238E27FC236}">
-                <a16:creationId xmlns:a16="http://schemas.microsoft.com/office/drawing/2014/main" id="{A97745AE-B287-667F-5552-86693707F918}"/>
-              </a:ext>
-            </a:extLst>
-          </p:cNvPr>
-          <p:cNvSpPr>
-            <a:spLocks noGrp="1"/>
-          </p:cNvSpPr>
-          <p:nvPr>
-            <p:ph type="title"/>
-          </p:nvPr>
-        </p:nvSpPr>
-        <p:spPr>
-          <a:xfrm>
-            <a:off x="6417732" y="957715"/>
-            <a:ext cx="5130798" cy="2750419"/>
-          </a:xfrm>
-        </p:spPr>
-        <p:txBody>
-          <a:bodyPr vert="horz" lIns="91440" tIns="45720" rIns="91440" bIns="45720" rtlCol="0" anchor="b">
-            <a:normAutofit/>
-          </a:bodyPr>
-          <a:lstStyle/>
-          <a:p>
-            <a:pPr algn="ctr"/>
-            <a:r>
-              <a:rPr lang="en-US" sz="6000" kern="1200" dirty="0">
-                <a:solidFill>
-                  <a:schemeClr val="tx1"/>
-                </a:solidFill>
-                <a:latin typeface="+mj-lt"/>
-                <a:ea typeface="+mj-ea"/>
-                <a:cs typeface="+mj-cs"/>
-              </a:rPr>
-              <a:t>Trends</a:t>
-            </a:r>
-          </a:p>
-        </p:txBody>
-      </p:sp>
-      <p:sp>
-        <p:nvSpPr>
           <p:cNvPr id="20" name="Oval 19">
             <a:extLst>
               <a:ext uri="{FF2B5EF4-FFF2-40B4-BE49-F238E27FC236}">
@@ -9843,6 +9983,174 @@
           </a:p>
         </p:txBody>
       </p:sp>
+      <p:sp>
+        <p:nvSpPr>
+          <p:cNvPr id="13" name="Title 3">
+            <a:extLst>
+              <a:ext uri="{FF2B5EF4-FFF2-40B4-BE49-F238E27FC236}">
+                <a16:creationId xmlns:a16="http://schemas.microsoft.com/office/drawing/2014/main" id="{32129215-6E4D-BF57-006B-B24DE1AA90EC}"/>
+              </a:ext>
+            </a:extLst>
+          </p:cNvPr>
+          <p:cNvSpPr txBox="1">
+            <a:spLocks/>
+          </p:cNvSpPr>
+          <p:nvPr/>
+        </p:nvSpPr>
+        <p:spPr>
+          <a:xfrm>
+            <a:off x="2003930" y="744358"/>
+            <a:ext cx="8184139" cy="554182"/>
+          </a:xfrm>
+          <a:prstGeom prst="rect">
+            <a:avLst/>
+          </a:prstGeom>
+        </p:spPr>
+        <p:txBody>
+          <a:bodyPr vert="horz" lIns="91440" tIns="45720" rIns="91440" bIns="45720" rtlCol="0" anchor="b">
+            <a:normAutofit/>
+          </a:bodyPr>
+          <a:lstStyle>
+            <a:lvl1pPr algn="l" defTabSz="914400" rtl="0" eaLnBrk="1" latinLnBrk="0" hangingPunct="1">
+              <a:lnSpc>
+                <a:spcPct val="90000"/>
+              </a:lnSpc>
+              <a:spcBef>
+                <a:spcPct val="0"/>
+              </a:spcBef>
+              <a:buNone/>
+              <a:defRPr sz="3200" kern="1200">
+                <a:solidFill>
+                  <a:schemeClr val="tx1"/>
+                </a:solidFill>
+                <a:latin typeface="+mj-lt"/>
+                <a:ea typeface="+mj-ea"/>
+                <a:cs typeface="+mj-cs"/>
+              </a:defRPr>
+            </a:lvl1pPr>
+          </a:lstStyle>
+          <a:p>
+            <a:pPr algn="ctr"/>
+            <a:r>
+              <a:rPr lang="en-US" dirty="0"/>
+              <a:t>Recommendation One</a:t>
+            </a:r>
+          </a:p>
+        </p:txBody>
+      </p:sp>
+      <p:sp>
+        <p:nvSpPr>
+          <p:cNvPr id="17" name="TextBox 16">
+            <a:extLst>
+              <a:ext uri="{FF2B5EF4-FFF2-40B4-BE49-F238E27FC236}">
+                <a16:creationId xmlns:a16="http://schemas.microsoft.com/office/drawing/2014/main" id="{9398276E-CB01-504A-2BB8-9D7A8DA3928B}"/>
+              </a:ext>
+            </a:extLst>
+          </p:cNvPr>
+          <p:cNvSpPr txBox="1"/>
+          <p:nvPr/>
+        </p:nvSpPr>
+        <p:spPr>
+          <a:xfrm>
+            <a:off x="890154" y="2624260"/>
+            <a:ext cx="10411691" cy="1066126"/>
+          </a:xfrm>
+          <a:prstGeom prst="rect">
+            <a:avLst/>
+          </a:prstGeom>
+          <a:noFill/>
+        </p:spPr>
+        <p:txBody>
+          <a:bodyPr wrap="square">
+            <a:spAutoFit/>
+          </a:bodyPr>
+          <a:lstStyle/>
+          <a:p>
+            <a:pPr marL="0" marR="0">
+              <a:lnSpc>
+                <a:spcPct val="107000"/>
+              </a:lnSpc>
+              <a:spcBef>
+                <a:spcPts val="0"/>
+              </a:spcBef>
+              <a:spcAft>
+                <a:spcPts val="800"/>
+              </a:spcAft>
+            </a:pPr>
+            <a:r>
+              <a:rPr lang="en-US" sz="1500" dirty="0">
+                <a:ea typeface="+mj-ea"/>
+                <a:cs typeface="+mj-cs"/>
+              </a:rPr>
+              <a:t>We see that Casual riders are on the bikes for longer periods of time. To encourage longer use we should decrease the charge per minute for members. After 15 minutes of use we can decrease the minute rate by a certain percentage. The mean ride time for casual riders is 27 minutes while member mean ride time is 12. If we charge less for member to use after 15 minutes, it will lead to casual riders converting to members to ride the bikes longer.</a:t>
+            </a:r>
+          </a:p>
+        </p:txBody>
+      </p:sp>
+      <p:sp>
+        <p:nvSpPr>
+          <p:cNvPr id="19" name="TextBox 18">
+            <a:extLst>
+              <a:ext uri="{FF2B5EF4-FFF2-40B4-BE49-F238E27FC236}">
+                <a16:creationId xmlns:a16="http://schemas.microsoft.com/office/drawing/2014/main" id="{26154B53-FFD5-E887-78F4-2E8D739C7832}"/>
+              </a:ext>
+            </a:extLst>
+          </p:cNvPr>
+          <p:cNvSpPr txBox="1"/>
+          <p:nvPr/>
+        </p:nvSpPr>
+        <p:spPr>
+          <a:xfrm>
+            <a:off x="3047999" y="1667722"/>
+            <a:ext cx="6096000" cy="374077"/>
+          </a:xfrm>
+          <a:prstGeom prst="rect">
+            <a:avLst/>
+          </a:prstGeom>
+          <a:noFill/>
+        </p:spPr>
+        <p:txBody>
+          <a:bodyPr wrap="square">
+            <a:spAutoFit/>
+          </a:bodyPr>
+          <a:lstStyle/>
+          <a:p>
+            <a:pPr marR="0" lvl="0" algn="ctr">
+              <a:lnSpc>
+                <a:spcPct val="107000"/>
+              </a:lnSpc>
+              <a:spcBef>
+                <a:spcPts val="0"/>
+              </a:spcBef>
+              <a:spcAft>
+                <a:spcPts val="800"/>
+              </a:spcAft>
+            </a:pPr>
+            <a:r>
+              <a:rPr lang="en-US" sz="1500" b="1" dirty="0">
+                <a:ea typeface="+mj-ea"/>
+                <a:cs typeface="+mj-cs"/>
+              </a:rPr>
+              <a:t>Lower incremental rates for longer use</a:t>
+            </a:r>
+            <a:r>
+              <a:rPr lang="en-US" sz="1800" dirty="0">
+                <a:effectLst/>
+                <a:latin typeface="Times New Roman" panose="02020603050405020304" pitchFamily="18" charset="0"/>
+                <a:ea typeface="Times New Roman" panose="02020603050405020304" pitchFamily="18" charset="0"/>
+                <a:cs typeface="Times New Roman" panose="02020603050405020304" pitchFamily="18" charset="0"/>
+              </a:rPr>
+              <a:t>.</a:t>
+            </a:r>
+            <a:endParaRPr lang="en-US" sz="1600" dirty="0">
+              <a:effectLst/>
+              <a:latin typeface="Calibri" panose="020F0502020204030204" pitchFamily="34" charset="0"/>
+              <a:ea typeface="Calibri" panose="020F0502020204030204" pitchFamily="34" charset="0"/>
+              <a:cs typeface="Times New Roman" panose="02020603050405020304" pitchFamily="18" charset="0"/>
+            </a:endParaRPr>
+          </a:p>
+        </p:txBody>
+      </p:sp>
     </p:spTree>
     <p:extLst>
       <p:ext uri="{BB962C8B-B14F-4D97-AF65-F5344CB8AC3E}">
@@ -9883,59 +10191,163 @@
       </p:grpSpPr>
       <p:sp>
         <p:nvSpPr>
-          <p:cNvPr id="4" name="Title 3">
+          <p:cNvPr id="8" name="TextBox 7">
             <a:extLst>
               <a:ext uri="{FF2B5EF4-FFF2-40B4-BE49-F238E27FC236}">
-                <a16:creationId xmlns:a16="http://schemas.microsoft.com/office/drawing/2014/main" id="{A97745AE-B287-667F-5552-86693707F918}"/>
+                <a16:creationId xmlns:a16="http://schemas.microsoft.com/office/drawing/2014/main" id="{9399B6D0-488D-FF28-D969-3978694E1BDF}"/>
               </a:ext>
             </a:extLst>
           </p:cNvPr>
-          <p:cNvSpPr>
-            <a:spLocks noGrp="1"/>
+          <p:cNvSpPr txBox="1"/>
+          <p:nvPr/>
+        </p:nvSpPr>
+        <p:spPr>
+          <a:xfrm>
+            <a:off x="890154" y="2624260"/>
+            <a:ext cx="10411691" cy="1609480"/>
+          </a:xfrm>
+          <a:prstGeom prst="rect">
+            <a:avLst/>
+          </a:prstGeom>
+          <a:noFill/>
+        </p:spPr>
+        <p:txBody>
+          <a:bodyPr wrap="square">
+            <a:spAutoFit/>
+          </a:bodyPr>
+          <a:lstStyle/>
+          <a:p>
+            <a:pPr marL="0" marR="0">
+              <a:lnSpc>
+                <a:spcPct val="107000"/>
+              </a:lnSpc>
+              <a:spcBef>
+                <a:spcPts val="0"/>
+              </a:spcBef>
+              <a:spcAft>
+                <a:spcPts val="800"/>
+              </a:spcAft>
+            </a:pPr>
+            <a:r>
+              <a:rPr lang="en-US" sz="1500" dirty="0">
+                <a:ea typeface="+mj-ea"/>
+                <a:cs typeface="+mj-cs"/>
+              </a:rPr>
+              <a:t>The other Major difference is linked with time. We see Casual rider’s ride at different hours of the day and different days of the week. We could have a reduced price for Members to ride after 6 and during the noon hour. This would attract our casual members because their use is not based on work hours. It would also have the benefit of making sure we have enough bikes for current member when they need it most at 5 P.M. These reduced member prices should also be in place on weekends. This is the highest traffic time for casual riders. If we have these price changes in place, we will be offering a lower price for members when casual riders most want to ride.</a:t>
+            </a:r>
+          </a:p>
+        </p:txBody>
+      </p:sp>
+      <p:sp>
+        <p:nvSpPr>
+          <p:cNvPr id="10" name="Title 3">
+            <a:extLst>
+              <a:ext uri="{FF2B5EF4-FFF2-40B4-BE49-F238E27FC236}">
+                <a16:creationId xmlns:a16="http://schemas.microsoft.com/office/drawing/2014/main" id="{A7FDD295-FCA3-5714-4C14-2831713ACFF7}"/>
+              </a:ext>
+            </a:extLst>
+          </p:cNvPr>
+          <p:cNvSpPr txBox="1">
+            <a:spLocks/>
           </p:cNvSpPr>
-          <p:nvPr>
-            <p:ph type="title"/>
-          </p:nvPr>
+          <p:nvPr/>
         </p:nvSpPr>
-        <p:spPr/>
+        <p:spPr>
+          <a:xfrm>
+            <a:off x="2003930" y="744358"/>
+            <a:ext cx="8184139" cy="554182"/>
+          </a:xfrm>
+          <a:prstGeom prst="rect">
+            <a:avLst/>
+          </a:prstGeom>
+        </p:spPr>
         <p:txBody>
           <a:bodyPr vert="horz" lIns="91440" tIns="45720" rIns="91440" bIns="45720" rtlCol="0" anchor="b">
             <a:normAutofit/>
           </a:bodyPr>
-          <a:lstStyle/>
-          <a:p>
-            <a:pPr algn="ctr"/>
-            <a:r>
-              <a:rPr lang="en-US" sz="6000" kern="1200" dirty="0">
+          <a:lstStyle>
+            <a:lvl1pPr algn="l" defTabSz="914400" rtl="0" eaLnBrk="1" latinLnBrk="0" hangingPunct="1">
+              <a:lnSpc>
+                <a:spcPct val="90000"/>
+              </a:lnSpc>
+              <a:spcBef>
+                <a:spcPct val="0"/>
+              </a:spcBef>
+              <a:buNone/>
+              <a:defRPr sz="3200" kern="1200">
                 <a:solidFill>
                   <a:schemeClr val="tx1"/>
                 </a:solidFill>
                 <a:latin typeface="+mj-lt"/>
                 <a:ea typeface="+mj-ea"/>
                 <a:cs typeface="+mj-cs"/>
-              </a:rPr>
-              <a:t>Trends</a:t>
+              </a:defRPr>
+            </a:lvl1pPr>
+          </a:lstStyle>
+          <a:p>
+            <a:pPr algn="ctr"/>
+            <a:r>
+              <a:rPr lang="en-US"/>
+              <a:t>Recommendation Two</a:t>
             </a:r>
+            <a:endParaRPr lang="en-US" dirty="0"/>
           </a:p>
         </p:txBody>
       </p:sp>
       <p:sp>
         <p:nvSpPr>
-          <p:cNvPr id="2" name="Picture Placeholder 1">
+          <p:cNvPr id="16" name="TextBox 15">
             <a:extLst>
               <a:ext uri="{FF2B5EF4-FFF2-40B4-BE49-F238E27FC236}">
-                <a16:creationId xmlns:a16="http://schemas.microsoft.com/office/drawing/2014/main" id="{470628B1-B1A2-2540-44F8-701D22B6804E}"/>
+                <a16:creationId xmlns:a16="http://schemas.microsoft.com/office/drawing/2014/main" id="{C7C8D53B-C9AD-983D-4E47-EC302392F77D}"/>
               </a:ext>
             </a:extLst>
           </p:cNvPr>
-          <p:cNvSpPr>
-            <a:spLocks noGrp="1"/>
-          </p:cNvSpPr>
-          <p:nvPr>
-            <p:ph type="pic" idx="1"/>
-          </p:nvPr>
+          <p:cNvSpPr txBox="1"/>
+          <p:nvPr/>
         </p:nvSpPr>
-        <p:spPr/>
+        <p:spPr>
+          <a:xfrm>
+            <a:off x="3047999" y="1667722"/>
+            <a:ext cx="6096000" cy="327654"/>
+          </a:xfrm>
+          <a:prstGeom prst="rect">
+            <a:avLst/>
+          </a:prstGeom>
+          <a:noFill/>
+        </p:spPr>
+        <p:txBody>
+          <a:bodyPr wrap="square">
+            <a:spAutoFit/>
+          </a:bodyPr>
+          <a:lstStyle/>
+          <a:p>
+            <a:pPr marR="0" lvl="0" algn="ctr">
+              <a:lnSpc>
+                <a:spcPct val="107000"/>
+              </a:lnSpc>
+              <a:spcBef>
+                <a:spcPts val="0"/>
+              </a:spcBef>
+              <a:spcAft>
+                <a:spcPts val="800"/>
+              </a:spcAft>
+            </a:pPr>
+            <a:r>
+              <a:rPr lang="en-US" sz="1500" b="1" dirty="0">
+                <a:ea typeface="+mj-ea"/>
+                <a:cs typeface="+mj-cs"/>
+              </a:rPr>
+              <a:t>Reduced fare at specific time of day and day of week.</a:t>
+            </a:r>
+            <a:endParaRPr lang="en-US" sz="1600" dirty="0">
+              <a:effectLst/>
+              <a:latin typeface="Calibri" panose="020F0502020204030204" pitchFamily="34" charset="0"/>
+              <a:ea typeface="Calibri" panose="020F0502020204030204" pitchFamily="34" charset="0"/>
+              <a:cs typeface="Times New Roman" panose="02020603050405020304" pitchFamily="18" charset="0"/>
+            </a:endParaRPr>
+          </a:p>
+        </p:txBody>
       </p:sp>
     </p:spTree>
     <p:extLst>
@@ -9951,97 +10363,6 @@
 </file>
 
 <file path=ppt/slides/slide12.xml><?xml version="1.0" encoding="utf-8"?>
-<p:sld xmlns:a="http://schemas.openxmlformats.org/drawingml/2006/main" xmlns:r="http://schemas.openxmlformats.org/officeDocument/2006/relationships" xmlns:p="http://schemas.openxmlformats.org/presentationml/2006/main">
-  <p:cSld>
-    <p:bg>
-      <p:bgPr>
-        <a:solidFill>
-          <a:srgbClr val="B3F4F9"/>
-        </a:solidFill>
-        <a:effectLst/>
-      </p:bgPr>
-    </p:bg>
-    <p:spTree>
-      <p:nvGrpSpPr>
-        <p:cNvPr id="1" name=""/>
-        <p:cNvGrpSpPr/>
-        <p:nvPr/>
-      </p:nvGrpSpPr>
-      <p:grpSpPr>
-        <a:xfrm>
-          <a:off x="0" y="0"/>
-          <a:ext cx="0" cy="0"/>
-          <a:chOff x="0" y="0"/>
-          <a:chExt cx="0" cy="0"/>
-        </a:xfrm>
-      </p:grpSpPr>
-      <p:sp>
-        <p:nvSpPr>
-          <p:cNvPr id="2" name="Title 1">
-            <a:extLst>
-              <a:ext uri="{FF2B5EF4-FFF2-40B4-BE49-F238E27FC236}">
-                <a16:creationId xmlns:a16="http://schemas.microsoft.com/office/drawing/2014/main" id="{A74498BB-72A3-0BEB-12F8-93A8F01D4405}"/>
-              </a:ext>
-            </a:extLst>
-          </p:cNvPr>
-          <p:cNvSpPr>
-            <a:spLocks noGrp="1"/>
-          </p:cNvSpPr>
-          <p:nvPr>
-            <p:ph type="title"/>
-          </p:nvPr>
-        </p:nvSpPr>
-        <p:spPr/>
-        <p:txBody>
-          <a:bodyPr/>
-          <a:lstStyle/>
-          <a:p>
-            <a:r>
-              <a:rPr lang="en-US" dirty="0"/>
-              <a:t>Recommendation</a:t>
-            </a:r>
-          </a:p>
-        </p:txBody>
-      </p:sp>
-      <p:sp>
-        <p:nvSpPr>
-          <p:cNvPr id="3" name="Content Placeholder 2">
-            <a:extLst>
-              <a:ext uri="{FF2B5EF4-FFF2-40B4-BE49-F238E27FC236}">
-                <a16:creationId xmlns:a16="http://schemas.microsoft.com/office/drawing/2014/main" id="{EB5ED525-9C8D-36D5-20C7-885DB8BB6983}"/>
-              </a:ext>
-            </a:extLst>
-          </p:cNvPr>
-          <p:cNvSpPr>
-            <a:spLocks noGrp="1"/>
-          </p:cNvSpPr>
-          <p:nvPr>
-            <p:ph idx="1"/>
-          </p:nvPr>
-        </p:nvSpPr>
-        <p:spPr/>
-        <p:txBody>
-          <a:bodyPr/>
-          <a:lstStyle/>
-          <a:p>
-            <a:endParaRPr lang="en-US" dirty="0"/>
-          </a:p>
-        </p:txBody>
-      </p:sp>
-    </p:spTree>
-    <p:extLst>
-      <p:ext uri="{BB962C8B-B14F-4D97-AF65-F5344CB8AC3E}">
-        <p14:creationId xmlns:p14="http://schemas.microsoft.com/office/powerpoint/2010/main" val="747477399"/>
-      </p:ext>
-    </p:extLst>
-  </p:cSld>
-  <p:clrMapOvr>
-    <a:masterClrMapping/>
-  </p:clrMapOvr>
-</p:sld>
-</file>
-
-<file path=ppt/slides/slide13.xml><?xml version="1.0" encoding="utf-8"?>
 <p:sld xmlns:a="http://schemas.openxmlformats.org/drawingml/2006/main" xmlns:r="http://schemas.openxmlformats.org/officeDocument/2006/relationships" xmlns:p="http://schemas.openxmlformats.org/presentationml/2006/main">
   <p:cSld>
     <p:bg>
@@ -10515,7 +10836,7 @@
         </p:nvSpPr>
         <p:spPr>
           <a:xfrm>
-            <a:off x="838200" y="365125"/>
+            <a:off x="838200" y="357670"/>
             <a:ext cx="10515600" cy="1325563"/>
           </a:xfrm>
         </p:spPr>
@@ -10527,15 +10848,8 @@
           <a:p>
             <a:pPr algn="ctr"/>
             <a:r>
-              <a:rPr lang="en-US" sz="4400" kern="1200" dirty="0">
-                <a:solidFill>
-                  <a:schemeClr val="tx1"/>
-                </a:solidFill>
-                <a:latin typeface="+mj-lt"/>
-                <a:ea typeface="+mj-ea"/>
-                <a:cs typeface="+mj-cs"/>
-              </a:rPr>
-              <a:t>Recommendation</a:t>
+              <a:rPr lang="en-US" dirty="0"/>
+              <a:t>Recommendation Three</a:t>
             </a:r>
           </a:p>
         </p:txBody>
@@ -10691,42 +11005,6 @@
       </p:sp>
       <p:sp>
         <p:nvSpPr>
-          <p:cNvPr id="4" name="Text Placeholder 3">
-            <a:extLst>
-              <a:ext uri="{FF2B5EF4-FFF2-40B4-BE49-F238E27FC236}">
-                <a16:creationId xmlns:a16="http://schemas.microsoft.com/office/drawing/2014/main" id="{7153FACC-4ADE-0D6C-F06A-405C005A26F2}"/>
-              </a:ext>
-            </a:extLst>
-          </p:cNvPr>
-          <p:cNvSpPr>
-            <a:spLocks noGrp="1"/>
-          </p:cNvSpPr>
-          <p:nvPr>
-            <p:ph type="body" sz="half" idx="2"/>
-          </p:nvPr>
-        </p:nvSpPr>
-        <p:spPr>
-          <a:xfrm>
-            <a:off x="838200" y="1825625"/>
-            <a:ext cx="10515600" cy="3859742"/>
-          </a:xfrm>
-        </p:spPr>
-        <p:txBody>
-          <a:bodyPr vert="horz" lIns="91440" tIns="45720" rIns="91440" bIns="45720" rtlCol="0">
-            <a:normAutofit/>
-          </a:bodyPr>
-          <a:lstStyle/>
-          <a:p>
-            <a:pPr indent="-228600">
-              <a:buFont typeface="Arial" panose="020B0604020202020204" pitchFamily="34" charset="0"/>
-              <a:buChar char="•"/>
-            </a:pPr>
-            <a:endParaRPr lang="en-US" dirty="0"/>
-          </a:p>
-        </p:txBody>
-      </p:sp>
-      <p:sp>
-        <p:nvSpPr>
           <p:cNvPr id="33" name="Arc 16">
             <a:extLst>
               <a:ext uri="{FF2B5EF4-FFF2-40B4-BE49-F238E27FC236}">
@@ -10815,6 +11093,266 @@
           </a:p>
         </p:txBody>
       </p:sp>
+      <p:sp>
+        <p:nvSpPr>
+          <p:cNvPr id="14" name="Text Placeholder 3">
+            <a:extLst>
+              <a:ext uri="{FF2B5EF4-FFF2-40B4-BE49-F238E27FC236}">
+                <a16:creationId xmlns:a16="http://schemas.microsoft.com/office/drawing/2014/main" id="{3C8B495B-EF52-D166-44F1-B07DEFC5EAC8}"/>
+              </a:ext>
+            </a:extLst>
+          </p:cNvPr>
+          <p:cNvSpPr txBox="1">
+            <a:spLocks/>
+          </p:cNvSpPr>
+          <p:nvPr/>
+        </p:nvSpPr>
+        <p:spPr>
+          <a:xfrm>
+            <a:off x="890154" y="2624260"/>
+            <a:ext cx="10515600" cy="1250084"/>
+          </a:xfrm>
+          <a:prstGeom prst="rect">
+            <a:avLst/>
+          </a:prstGeom>
+        </p:spPr>
+        <p:txBody>
+          <a:bodyPr vert="horz" lIns="91440" tIns="45720" rIns="91440" bIns="45720" rtlCol="0">
+            <a:normAutofit/>
+          </a:bodyPr>
+          <a:lstStyle>
+            <a:lvl1pPr marL="0" indent="0" algn="l" defTabSz="914400" rtl="0" eaLnBrk="1" latinLnBrk="0" hangingPunct="1">
+              <a:lnSpc>
+                <a:spcPct val="90000"/>
+              </a:lnSpc>
+              <a:spcBef>
+                <a:spcPts val="1000"/>
+              </a:spcBef>
+              <a:buFont typeface="Arial" panose="020B0604020202020204" pitchFamily="34" charset="0"/>
+              <a:buNone/>
+              <a:defRPr sz="1600" kern="1200">
+                <a:solidFill>
+                  <a:schemeClr val="tx1"/>
+                </a:solidFill>
+                <a:latin typeface="+mn-lt"/>
+                <a:ea typeface="+mn-ea"/>
+                <a:cs typeface="+mn-cs"/>
+              </a:defRPr>
+            </a:lvl1pPr>
+            <a:lvl2pPr marL="457200" indent="0" algn="l" defTabSz="914400" rtl="0" eaLnBrk="1" latinLnBrk="0" hangingPunct="1">
+              <a:lnSpc>
+                <a:spcPct val="90000"/>
+              </a:lnSpc>
+              <a:spcBef>
+                <a:spcPts val="500"/>
+              </a:spcBef>
+              <a:buFont typeface="Arial" panose="020B0604020202020204" pitchFamily="34" charset="0"/>
+              <a:buNone/>
+              <a:defRPr sz="1400" kern="1200">
+                <a:solidFill>
+                  <a:schemeClr val="tx1"/>
+                </a:solidFill>
+                <a:latin typeface="+mn-lt"/>
+                <a:ea typeface="+mn-ea"/>
+                <a:cs typeface="+mn-cs"/>
+              </a:defRPr>
+            </a:lvl2pPr>
+            <a:lvl3pPr marL="914400" indent="0" algn="l" defTabSz="914400" rtl="0" eaLnBrk="1" latinLnBrk="0" hangingPunct="1">
+              <a:lnSpc>
+                <a:spcPct val="90000"/>
+              </a:lnSpc>
+              <a:spcBef>
+                <a:spcPts val="500"/>
+              </a:spcBef>
+              <a:buFont typeface="Arial" panose="020B0604020202020204" pitchFamily="34" charset="0"/>
+              <a:buNone/>
+              <a:defRPr sz="1200" kern="1200">
+                <a:solidFill>
+                  <a:schemeClr val="tx1"/>
+                </a:solidFill>
+                <a:latin typeface="+mn-lt"/>
+                <a:ea typeface="+mn-ea"/>
+                <a:cs typeface="+mn-cs"/>
+              </a:defRPr>
+            </a:lvl3pPr>
+            <a:lvl4pPr marL="1371600" indent="0" algn="l" defTabSz="914400" rtl="0" eaLnBrk="1" latinLnBrk="0" hangingPunct="1">
+              <a:lnSpc>
+                <a:spcPct val="90000"/>
+              </a:lnSpc>
+              <a:spcBef>
+                <a:spcPts val="500"/>
+              </a:spcBef>
+              <a:buFont typeface="Arial" panose="020B0604020202020204" pitchFamily="34" charset="0"/>
+              <a:buNone/>
+              <a:defRPr sz="1000" kern="1200">
+                <a:solidFill>
+                  <a:schemeClr val="tx1"/>
+                </a:solidFill>
+                <a:latin typeface="+mn-lt"/>
+                <a:ea typeface="+mn-ea"/>
+                <a:cs typeface="+mn-cs"/>
+              </a:defRPr>
+            </a:lvl4pPr>
+            <a:lvl5pPr marL="1828800" indent="0" algn="l" defTabSz="914400" rtl="0" eaLnBrk="1" latinLnBrk="0" hangingPunct="1">
+              <a:lnSpc>
+                <a:spcPct val="90000"/>
+              </a:lnSpc>
+              <a:spcBef>
+                <a:spcPts val="500"/>
+              </a:spcBef>
+              <a:buFont typeface="Arial" panose="020B0604020202020204" pitchFamily="34" charset="0"/>
+              <a:buNone/>
+              <a:defRPr sz="1000" kern="1200">
+                <a:solidFill>
+                  <a:schemeClr val="tx1"/>
+                </a:solidFill>
+                <a:latin typeface="+mn-lt"/>
+                <a:ea typeface="+mn-ea"/>
+                <a:cs typeface="+mn-cs"/>
+              </a:defRPr>
+            </a:lvl5pPr>
+            <a:lvl6pPr marL="2286000" indent="0" algn="l" defTabSz="914400" rtl="0" eaLnBrk="1" latinLnBrk="0" hangingPunct="1">
+              <a:lnSpc>
+                <a:spcPct val="90000"/>
+              </a:lnSpc>
+              <a:spcBef>
+                <a:spcPts val="500"/>
+              </a:spcBef>
+              <a:buFont typeface="Arial" panose="020B0604020202020204" pitchFamily="34" charset="0"/>
+              <a:buNone/>
+              <a:defRPr sz="1000" kern="1200">
+                <a:solidFill>
+                  <a:schemeClr val="tx1"/>
+                </a:solidFill>
+                <a:latin typeface="+mn-lt"/>
+                <a:ea typeface="+mn-ea"/>
+                <a:cs typeface="+mn-cs"/>
+              </a:defRPr>
+            </a:lvl6pPr>
+            <a:lvl7pPr marL="2743200" indent="0" algn="l" defTabSz="914400" rtl="0" eaLnBrk="1" latinLnBrk="0" hangingPunct="1">
+              <a:lnSpc>
+                <a:spcPct val="90000"/>
+              </a:lnSpc>
+              <a:spcBef>
+                <a:spcPts val="500"/>
+              </a:spcBef>
+              <a:buFont typeface="Arial" panose="020B0604020202020204" pitchFamily="34" charset="0"/>
+              <a:buNone/>
+              <a:defRPr sz="1000" kern="1200">
+                <a:solidFill>
+                  <a:schemeClr val="tx1"/>
+                </a:solidFill>
+                <a:latin typeface="+mn-lt"/>
+                <a:ea typeface="+mn-ea"/>
+                <a:cs typeface="+mn-cs"/>
+              </a:defRPr>
+            </a:lvl7pPr>
+            <a:lvl8pPr marL="3200400" indent="0" algn="l" defTabSz="914400" rtl="0" eaLnBrk="1" latinLnBrk="0" hangingPunct="1">
+              <a:lnSpc>
+                <a:spcPct val="90000"/>
+              </a:lnSpc>
+              <a:spcBef>
+                <a:spcPts val="500"/>
+              </a:spcBef>
+              <a:buFont typeface="Arial" panose="020B0604020202020204" pitchFamily="34" charset="0"/>
+              <a:buNone/>
+              <a:defRPr sz="1000" kern="1200">
+                <a:solidFill>
+                  <a:schemeClr val="tx1"/>
+                </a:solidFill>
+                <a:latin typeface="+mn-lt"/>
+                <a:ea typeface="+mn-ea"/>
+                <a:cs typeface="+mn-cs"/>
+              </a:defRPr>
+            </a:lvl8pPr>
+            <a:lvl9pPr marL="3657600" indent="0" algn="l" defTabSz="914400" rtl="0" eaLnBrk="1" latinLnBrk="0" hangingPunct="1">
+              <a:lnSpc>
+                <a:spcPct val="90000"/>
+              </a:lnSpc>
+              <a:spcBef>
+                <a:spcPts val="500"/>
+              </a:spcBef>
+              <a:buFont typeface="Arial" panose="020B0604020202020204" pitchFamily="34" charset="0"/>
+              <a:buNone/>
+              <a:defRPr sz="1000" kern="1200">
+                <a:solidFill>
+                  <a:schemeClr val="tx1"/>
+                </a:solidFill>
+                <a:latin typeface="+mn-lt"/>
+                <a:ea typeface="+mn-ea"/>
+                <a:cs typeface="+mn-cs"/>
+              </a:defRPr>
+            </a:lvl9pPr>
+          </a:lstStyle>
+          <a:p>
+            <a:r>
+              <a:rPr lang="en-US" sz="1500" dirty="0">
+                <a:ea typeface="+mj-ea"/>
+                <a:cs typeface="+mj-cs"/>
+              </a:rPr>
+              <a:t>We observe the top 5 locations being near lakeshore drive and near tourist attractions such as the aquarium. We can assume that this is due to their primary use for the service being for leisurely activities. With leisure in mind, a recommendation I would give is to incentivize these activities. We can work with the city to give large discounts to members for public events. We can also give guided tours for tourists on the lake shore. Using these methods, we meet the casual rider’s needs.</a:t>
+            </a:r>
+          </a:p>
+          <a:p>
+            <a:endParaRPr lang="en-US" dirty="0"/>
+          </a:p>
+        </p:txBody>
+      </p:sp>
+      <p:sp>
+        <p:nvSpPr>
+          <p:cNvPr id="15" name="TextBox 14">
+            <a:extLst>
+              <a:ext uri="{FF2B5EF4-FFF2-40B4-BE49-F238E27FC236}">
+                <a16:creationId xmlns:a16="http://schemas.microsoft.com/office/drawing/2014/main" id="{E476AD3F-087E-CBD3-D10D-A1A9537AB7CD}"/>
+              </a:ext>
+            </a:extLst>
+          </p:cNvPr>
+          <p:cNvSpPr txBox="1"/>
+          <p:nvPr/>
+        </p:nvSpPr>
+        <p:spPr>
+          <a:xfrm>
+            <a:off x="3047999" y="1667722"/>
+            <a:ext cx="6096000" cy="327654"/>
+          </a:xfrm>
+          <a:prstGeom prst="rect">
+            <a:avLst/>
+          </a:prstGeom>
+          <a:noFill/>
+        </p:spPr>
+        <p:txBody>
+          <a:bodyPr wrap="square">
+            <a:spAutoFit/>
+          </a:bodyPr>
+          <a:lstStyle/>
+          <a:p>
+            <a:pPr marR="0" lvl="0" algn="ctr">
+              <a:lnSpc>
+                <a:spcPct val="107000"/>
+              </a:lnSpc>
+              <a:spcBef>
+                <a:spcPts val="0"/>
+              </a:spcBef>
+              <a:spcAft>
+                <a:spcPts val="800"/>
+              </a:spcAft>
+            </a:pPr>
+            <a:r>
+              <a:rPr lang="en-US" sz="1500" b="1" dirty="0">
+                <a:ea typeface="+mj-ea"/>
+                <a:cs typeface="+mj-cs"/>
+              </a:rPr>
+              <a:t>Location based discounts and activities</a:t>
+            </a:r>
+            <a:endParaRPr lang="en-US" sz="1600" dirty="0">
+              <a:effectLst/>
+              <a:latin typeface="Calibri" panose="020F0502020204030204" pitchFamily="34" charset="0"/>
+              <a:ea typeface="Calibri" panose="020F0502020204030204" pitchFamily="34" charset="0"/>
+              <a:cs typeface="Times New Roman" panose="02020603050405020304" pitchFamily="18" charset="0"/>
+            </a:endParaRPr>
+          </a:p>
+        </p:txBody>
+      </p:sp>
     </p:spTree>
     <p:extLst>
       <p:ext uri="{BB962C8B-B14F-4D97-AF65-F5344CB8AC3E}">
@@ -10828,7 +11366,7 @@
 </p:sld>
 </file>
 
-<file path=ppt/slides/slide14.xml><?xml version="1.0" encoding="utf-8"?>
+<file path=ppt/slides/slide13.xml><?xml version="1.0" encoding="utf-8"?>
 <p:sld xmlns:a="http://schemas.openxmlformats.org/drawingml/2006/main" xmlns:r="http://schemas.openxmlformats.org/officeDocument/2006/relationships" xmlns:p="http://schemas.openxmlformats.org/presentationml/2006/main">
   <p:cSld>
     <p:bg>
@@ -11123,7 +11661,7 @@
         </p:nvSpPr>
         <p:spPr>
           <a:xfrm>
-            <a:off x="686834" y="1153572"/>
+            <a:off x="686834" y="1198418"/>
             <a:ext cx="3200400" cy="4461163"/>
           </a:xfrm>
         </p:spPr>
@@ -11181,8 +11719,8 @@
         </p:nvSpPr>
         <p:spPr>
           <a:xfrm>
-            <a:off x="4447308" y="591344"/>
-            <a:ext cx="6906491" cy="5585619"/>
+            <a:off x="4447308" y="1976582"/>
+            <a:ext cx="6906491" cy="3177309"/>
           </a:xfrm>
         </p:spPr>
         <p:txBody>
@@ -11190,6 +11728,105 @@
             <a:normAutofit/>
           </a:bodyPr>
           <a:lstStyle/>
+          <a:p>
+            <a:pPr marL="0" marR="0" indent="0">
+              <a:lnSpc>
+                <a:spcPct val="107000"/>
+              </a:lnSpc>
+              <a:spcBef>
+                <a:spcPts val="0"/>
+              </a:spcBef>
+              <a:spcAft>
+                <a:spcPts val="800"/>
+              </a:spcAft>
+              <a:buNone/>
+            </a:pPr>
+            <a:r>
+              <a:rPr lang="en-US" sz="1500" dirty="0">
+                <a:ea typeface="+mj-ea"/>
+                <a:cs typeface="+mj-cs"/>
+              </a:rPr>
+              <a:t>These recommendations are intended to support the type of use the casual riders already have. It doesn’t increase cost for current members, but it does spread out the time that bikes are in use. This benefits current members as well as casual rider who become members.</a:t>
+            </a:r>
+          </a:p>
+          <a:p>
+            <a:pPr marL="0" marR="0" indent="0">
+              <a:lnSpc>
+                <a:spcPct val="107000"/>
+              </a:lnSpc>
+              <a:spcBef>
+                <a:spcPts val="0"/>
+              </a:spcBef>
+              <a:spcAft>
+                <a:spcPts val="800"/>
+              </a:spcAft>
+              <a:buNone/>
+            </a:pPr>
+            <a:endParaRPr lang="en-US" sz="1500" dirty="0">
+              <a:ea typeface="+mj-ea"/>
+              <a:cs typeface="+mj-cs"/>
+            </a:endParaRPr>
+          </a:p>
+          <a:p>
+            <a:pPr marL="0" marR="0" indent="0">
+              <a:lnSpc>
+                <a:spcPct val="107000"/>
+              </a:lnSpc>
+              <a:spcBef>
+                <a:spcPts val="0"/>
+              </a:spcBef>
+              <a:spcAft>
+                <a:spcPts val="800"/>
+              </a:spcAft>
+              <a:buNone/>
+            </a:pPr>
+            <a:r>
+              <a:rPr lang="en-US" sz="1500" dirty="0">
+                <a:ea typeface="+mj-ea"/>
+                <a:cs typeface="+mj-cs"/>
+              </a:rPr>
+              <a:t>If there are questions, please ask after the presentation.</a:t>
+            </a:r>
+          </a:p>
+          <a:p>
+            <a:pPr marL="0" marR="0" indent="0">
+              <a:lnSpc>
+                <a:spcPct val="107000"/>
+              </a:lnSpc>
+              <a:spcBef>
+                <a:spcPts val="0"/>
+              </a:spcBef>
+              <a:spcAft>
+                <a:spcPts val="800"/>
+              </a:spcAft>
+              <a:buNone/>
+            </a:pPr>
+            <a:endParaRPr lang="en-US" sz="1500" dirty="0">
+              <a:ea typeface="+mj-ea"/>
+              <a:cs typeface="+mj-cs"/>
+            </a:endParaRPr>
+          </a:p>
+          <a:p>
+            <a:pPr marL="0" marR="0" indent="0">
+              <a:lnSpc>
+                <a:spcPct val="107000"/>
+              </a:lnSpc>
+              <a:spcBef>
+                <a:spcPts val="0"/>
+              </a:spcBef>
+              <a:spcAft>
+                <a:spcPts val="800"/>
+              </a:spcAft>
+              <a:buNone/>
+            </a:pPr>
+            <a:r>
+              <a:rPr lang="en-US" sz="1500" dirty="0">
+                <a:ea typeface="+mj-ea"/>
+                <a:cs typeface="+mj-cs"/>
+              </a:rPr>
+              <a:t>Thank you!</a:t>
+            </a:r>
+          </a:p>
           <a:p>
             <a:endParaRPr lang="en-US" dirty="0"/>
           </a:p>
@@ -12575,136 +13212,136 @@
         </p:spPr>
         <p:txBody>
           <a:bodyPr>
-            <a:normAutofit fontScale="90000"/>
+            <a:noAutofit/>
           </a:bodyPr>
           <a:lstStyle/>
           <a:p>
             <a:br>
-              <a:rPr lang="en-US" sz="5300" dirty="0"/>
+              <a:rPr lang="en-US" sz="4400" dirty="0"/>
             </a:br>
             <a:br>
-              <a:rPr lang="en-US" sz="5300" dirty="0"/>
+              <a:rPr lang="en-US" sz="4400" dirty="0"/>
             </a:br>
             <a:br>
-              <a:rPr lang="en-US" sz="5300" dirty="0"/>
+              <a:rPr lang="en-US" sz="4400" dirty="0"/>
             </a:br>
             <a:br>
-              <a:rPr lang="en-US" sz="5300" dirty="0"/>
+              <a:rPr lang="en-US" sz="4400" dirty="0"/>
             </a:br>
             <a:br>
-              <a:rPr lang="en-US" sz="5300" dirty="0"/>
+              <a:rPr lang="en-US" sz="4400" dirty="0"/>
             </a:br>
             <a:br>
-              <a:rPr lang="en-US" sz="5300" dirty="0"/>
+              <a:rPr lang="en-US" sz="4400" dirty="0"/>
             </a:br>
             <a:br>
-              <a:rPr lang="en-US" sz="5300" dirty="0"/>
+              <a:rPr lang="en-US" sz="4400" dirty="0"/>
             </a:br>
             <a:br>
-              <a:rPr lang="en-US" sz="5300" dirty="0"/>
+              <a:rPr lang="en-US" sz="4400" dirty="0"/>
             </a:br>
             <a:br>
-              <a:rPr lang="en-US" sz="5300" dirty="0"/>
+              <a:rPr lang="en-US" sz="4400" dirty="0"/>
             </a:br>
             <a:br>
-              <a:rPr lang="en-US" sz="5300" dirty="0"/>
+              <a:rPr lang="en-US" sz="4400" dirty="0"/>
             </a:br>
             <a:br>
-              <a:rPr lang="en-US" sz="5300" dirty="0"/>
+              <a:rPr lang="en-US" sz="4400" dirty="0"/>
             </a:br>
             <a:br>
-              <a:rPr lang="en-US" sz="5300" dirty="0"/>
+              <a:rPr lang="en-US" sz="4400" dirty="0"/>
             </a:br>
             <a:br>
-              <a:rPr lang="en-US" sz="5300" dirty="0"/>
+              <a:rPr lang="en-US" sz="4400" dirty="0"/>
             </a:br>
             <a:br>
-              <a:rPr lang="en-US" sz="5300" dirty="0"/>
+              <a:rPr lang="en-US" sz="4400" dirty="0"/>
             </a:br>
             <a:br>
-              <a:rPr lang="en-US" sz="5300" dirty="0"/>
+              <a:rPr lang="en-US" sz="4400" dirty="0"/>
             </a:br>
             <a:br>
-              <a:rPr lang="en-US" sz="5300" dirty="0"/>
+              <a:rPr lang="en-US" sz="4400" dirty="0"/>
             </a:br>
             <a:br>
-              <a:rPr lang="en-US" sz="5300" dirty="0"/>
+              <a:rPr lang="en-US" sz="4400" dirty="0"/>
             </a:br>
             <a:br>
-              <a:rPr lang="en-US" sz="5300" dirty="0"/>
+              <a:rPr lang="en-US" sz="4400" dirty="0"/>
             </a:br>
             <a:br>
-              <a:rPr lang="en-US" sz="5300" dirty="0"/>
+              <a:rPr lang="en-US" sz="4400" dirty="0"/>
             </a:br>
             <a:br>
-              <a:rPr lang="en-US" sz="5300" dirty="0"/>
+              <a:rPr lang="en-US" sz="4400" dirty="0"/>
             </a:br>
             <a:br>
-              <a:rPr lang="en-US" sz="5300" dirty="0"/>
+              <a:rPr lang="en-US" sz="4400" dirty="0"/>
             </a:br>
             <a:br>
-              <a:rPr lang="en-US" sz="5300" dirty="0"/>
+              <a:rPr lang="en-US" sz="4400" dirty="0"/>
             </a:br>
             <a:br>
-              <a:rPr lang="en-US" sz="5300" dirty="0"/>
+              <a:rPr lang="en-US" sz="4400" dirty="0"/>
             </a:br>
             <a:br>
-              <a:rPr lang="en-US" sz="5300" dirty="0"/>
+              <a:rPr lang="en-US" sz="4400" dirty="0"/>
             </a:br>
             <a:br>
-              <a:rPr lang="en-US" sz="5300" dirty="0"/>
+              <a:rPr lang="en-US" sz="4400" dirty="0"/>
             </a:br>
             <a:br>
-              <a:rPr lang="en-US" sz="5300" dirty="0"/>
+              <a:rPr lang="en-US" sz="4400" dirty="0"/>
             </a:br>
             <a:br>
-              <a:rPr lang="en-US" sz="5300" dirty="0"/>
+              <a:rPr lang="en-US" sz="4400" dirty="0"/>
             </a:br>
             <a:br>
-              <a:rPr lang="en-US" sz="5300" dirty="0"/>
+              <a:rPr lang="en-US" sz="4400" dirty="0"/>
             </a:br>
             <a:br>
-              <a:rPr lang="en-US" sz="5300" dirty="0"/>
+              <a:rPr lang="en-US" sz="4400" dirty="0"/>
             </a:br>
             <a:br>
-              <a:rPr lang="en-US" sz="5300" dirty="0"/>
+              <a:rPr lang="en-US" sz="4400" dirty="0"/>
             </a:br>
             <a:br>
-              <a:rPr lang="en-US" sz="5300" dirty="0"/>
+              <a:rPr lang="en-US" sz="4400" dirty="0"/>
             </a:br>
             <a:br>
-              <a:rPr lang="en-US" sz="5300" dirty="0"/>
+              <a:rPr lang="en-US" sz="4400" dirty="0"/>
             </a:br>
             <a:br>
-              <a:rPr lang="en-US" sz="5300" dirty="0"/>
+              <a:rPr lang="en-US" sz="4400" dirty="0"/>
             </a:br>
             <a:br>
-              <a:rPr lang="en-US" sz="5300" dirty="0"/>
+              <a:rPr lang="en-US" sz="4400" dirty="0"/>
             </a:br>
             <a:br>
-              <a:rPr lang="en-US" sz="5300" dirty="0"/>
+              <a:rPr lang="en-US" sz="4400" dirty="0"/>
             </a:br>
             <a:br>
-              <a:rPr lang="en-US" sz="5300" dirty="0"/>
+              <a:rPr lang="en-US" sz="4400" dirty="0"/>
             </a:br>
             <a:br>
-              <a:rPr lang="en-US" sz="5300" dirty="0"/>
+              <a:rPr lang="en-US" sz="4400" dirty="0"/>
             </a:br>
             <a:br>
-              <a:rPr lang="en-US" sz="5300" dirty="0"/>
+              <a:rPr lang="en-US" sz="4400" dirty="0"/>
             </a:br>
             <a:r>
-              <a:rPr lang="en-US" sz="5300" dirty="0"/>
+              <a:rPr lang="en-US" sz="4400" dirty="0"/>
               <a:t>Challenge:</a:t>
             </a:r>
             <a:br>
-              <a:rPr lang="en-US" sz="5300" dirty="0"/>
+              <a:rPr lang="en-US" sz="4400" dirty="0"/>
             </a:br>
             <a:br>
-              <a:rPr lang="en-US" dirty="0"/>
+              <a:rPr lang="en-US" sz="4800" dirty="0"/>
             </a:br>
             <a:r>
-              <a:rPr lang="en-US" sz="4400" dirty="0"/>
+              <a:rPr lang="en-US" sz="3600" dirty="0"/>
               <a:t>Design marketing strategies in order to convert casual riders into annual members</a:t>
             </a:r>
           </a:p>
@@ -12739,7 +13376,7 @@
           <a:lstStyle/>
           <a:p>
             <a:r>
-              <a:rPr lang="en-US" sz="3200" dirty="0"/>
+              <a:rPr lang="en-US" dirty="0"/>
               <a:t>Identify the key differences in usage between members and casual riders</a:t>
             </a:r>
           </a:p>
@@ -15545,19 +16182,7 @@
               <a:rPr lang="en-US" sz="1600" dirty="0">
                 <a:latin typeface="+mn-lt"/>
               </a:rPr>
-              <a:t>Casual: More likely to use bikes near lake Michigan and other tourist hotspots with more rides </a:t>
-            </a:r>
-            <a:r>
-              <a:rPr lang="en-US" sz="1600">
-                <a:latin typeface="+mn-lt"/>
-              </a:rPr>
-              <a:t>on weekends </a:t>
-            </a:r>
-            <a:r>
-              <a:rPr lang="en-US" sz="1600" dirty="0">
-                <a:latin typeface="+mn-lt"/>
-              </a:rPr>
-              <a:t>indicating people are using the bike for leisure</a:t>
+              <a:t>Casual: More likely to use bikes near lake Michigan and other tourist hotspots with more rides on weekends indicating people are using the bike for leisure</a:t>
             </a:r>
           </a:p>
           <a:p>

--- a/Cyclistic Case Study.pptx
+++ b/Cyclistic Case Study.pptx
@@ -137,7 +137,7 @@
   <pc:docChgLst>
     <pc:chgData name="Ermias Molla" userId="aaa09fd5ff7da740" providerId="LiveId" clId="{DA094B36-A951-4B30-AD36-E9EB18B93615}"/>
     <pc:docChg chg="undo redo custSel addSld delSld modSld sldOrd addMainMaster delMainMaster modMainMaster">
-      <pc:chgData name="Ermias Molla" userId="aaa09fd5ff7da740" providerId="LiveId" clId="{DA094B36-A951-4B30-AD36-E9EB18B93615}" dt="2022-07-23T13:04:53.490" v="4527" actId="404"/>
+      <pc:chgData name="Ermias Molla" userId="aaa09fd5ff7da740" providerId="LiveId" clId="{DA094B36-A951-4B30-AD36-E9EB18B93615}" dt="2022-07-23T13:20:27.788" v="4548"/>
       <pc:docMkLst>
         <pc:docMk/>
       </pc:docMkLst>
@@ -618,13 +618,13 @@
         </pc:sldMkLst>
       </pc:sldChg>
       <pc:sldChg chg="addSp delSp modSp new mod ord setBg delDesignElem">
-        <pc:chgData name="Ermias Molla" userId="aaa09fd5ff7da740" providerId="LiveId" clId="{DA094B36-A951-4B30-AD36-E9EB18B93615}" dt="2022-07-20T03:24:19.756" v="4161" actId="20577"/>
+        <pc:chgData name="Ermias Molla" userId="aaa09fd5ff7da740" providerId="LiveId" clId="{DA094B36-A951-4B30-AD36-E9EB18B93615}" dt="2022-07-23T13:18:27.624" v="4542" actId="27636"/>
         <pc:sldMkLst>
           <pc:docMk/>
           <pc:sldMk cId="4167407582" sldId="259"/>
         </pc:sldMkLst>
         <pc:spChg chg="mod ord">
-          <ac:chgData name="Ermias Molla" userId="aaa09fd5ff7da740" providerId="LiveId" clId="{DA094B36-A951-4B30-AD36-E9EB18B93615}" dt="2022-07-20T03:24:19.756" v="4161" actId="20577"/>
+          <ac:chgData name="Ermias Molla" userId="aaa09fd5ff7da740" providerId="LiveId" clId="{DA094B36-A951-4B30-AD36-E9EB18B93615}" dt="2022-07-23T13:18:27.624" v="4542" actId="27636"/>
           <ac:spMkLst>
             <pc:docMk/>
             <pc:sldMk cId="4167407582" sldId="259"/>
@@ -776,13 +776,13 @@
         </pc:spChg>
       </pc:sldChg>
       <pc:sldChg chg="addSp delSp modSp new mod setBg">
-        <pc:chgData name="Ermias Molla" userId="aaa09fd5ff7da740" providerId="LiveId" clId="{DA094B36-A951-4B30-AD36-E9EB18B93615}" dt="2022-07-19T05:39:11.535" v="3685" actId="20577"/>
+        <pc:chgData name="Ermias Molla" userId="aaa09fd5ff7da740" providerId="LiveId" clId="{DA094B36-A951-4B30-AD36-E9EB18B93615}" dt="2022-07-23T13:19:25.296" v="4544"/>
         <pc:sldMkLst>
           <pc:docMk/>
           <pc:sldMk cId="351396354" sldId="261"/>
         </pc:sldMkLst>
         <pc:spChg chg="mod">
-          <ac:chgData name="Ermias Molla" userId="aaa09fd5ff7da740" providerId="LiveId" clId="{DA094B36-A951-4B30-AD36-E9EB18B93615}" dt="2022-07-19T05:39:11.535" v="3685" actId="20577"/>
+          <ac:chgData name="Ermias Molla" userId="aaa09fd5ff7da740" providerId="LiveId" clId="{DA094B36-A951-4B30-AD36-E9EB18B93615}" dt="2022-07-23T13:19:25.296" v="4544"/>
           <ac:spMkLst>
             <pc:docMk/>
             <pc:sldMk cId="351396354" sldId="261"/>
@@ -966,13 +966,13 @@
         </pc:picChg>
       </pc:sldChg>
       <pc:sldChg chg="addSp delSp modSp new mod ord setBg delDesignElem">
-        <pc:chgData name="Ermias Molla" userId="aaa09fd5ff7da740" providerId="LiveId" clId="{DA094B36-A951-4B30-AD36-E9EB18B93615}" dt="2022-07-20T03:19:51.052" v="3895" actId="20577"/>
+        <pc:chgData name="Ermias Molla" userId="aaa09fd5ff7da740" providerId="LiveId" clId="{DA094B36-A951-4B30-AD36-E9EB18B93615}" dt="2022-07-23T13:17:25.864" v="4538" actId="34136"/>
         <pc:sldMkLst>
           <pc:docMk/>
           <pc:sldMk cId="3667622933" sldId="263"/>
         </pc:sldMkLst>
         <pc:spChg chg="mod ord">
-          <ac:chgData name="Ermias Molla" userId="aaa09fd5ff7da740" providerId="LiveId" clId="{DA094B36-A951-4B30-AD36-E9EB18B93615}" dt="2022-07-20T03:19:51.052" v="3895" actId="20577"/>
+          <ac:chgData name="Ermias Molla" userId="aaa09fd5ff7da740" providerId="LiveId" clId="{DA094B36-A951-4B30-AD36-E9EB18B93615}" dt="2022-07-23T13:17:25.864" v="4538" actId="34136"/>
           <ac:spMkLst>
             <pc:docMk/>
             <pc:sldMk cId="3667622933" sldId="263"/>
@@ -1075,40 +1075,40 @@
             <ac:spMk id="27" creationId="{6691AC69-A76E-4DAB-B565-468B6B87ACF3}"/>
           </ac:spMkLst>
         </pc:spChg>
-        <pc:spChg chg="add del">
-          <ac:chgData name="Ermias Molla" userId="aaa09fd5ff7da740" providerId="LiveId" clId="{DA094B36-A951-4B30-AD36-E9EB18B93615}" dt="2022-07-19T02:13:45.007" v="742"/>
+        <pc:spChg chg="add del mod">
+          <ac:chgData name="Ermias Molla" userId="aaa09fd5ff7da740" providerId="LiveId" clId="{DA094B36-A951-4B30-AD36-E9EB18B93615}" dt="2022-07-23T13:17:25.864" v="4538" actId="34136"/>
           <ac:spMkLst>
             <pc:docMk/>
             <pc:sldMk cId="3667622933" sldId="263"/>
             <ac:spMk id="29" creationId="{23DA7759-3209-4FE2-96D1-4EEDD81E9EA0}"/>
           </ac:spMkLst>
         </pc:spChg>
-        <pc:spChg chg="add del">
-          <ac:chgData name="Ermias Molla" userId="aaa09fd5ff7da740" providerId="LiveId" clId="{DA094B36-A951-4B30-AD36-E9EB18B93615}" dt="2022-07-19T02:13:45.007" v="742"/>
+        <pc:spChg chg="add del mod">
+          <ac:chgData name="Ermias Molla" userId="aaa09fd5ff7da740" providerId="LiveId" clId="{DA094B36-A951-4B30-AD36-E9EB18B93615}" dt="2022-07-23T13:17:25.864" v="4538" actId="34136"/>
           <ac:spMkLst>
             <pc:docMk/>
             <pc:sldMk cId="3667622933" sldId="263"/>
             <ac:spMk id="30" creationId="{41460DAD-8769-4C9F-9C8C-BB0443909D76}"/>
           </ac:spMkLst>
         </pc:spChg>
-        <pc:spChg chg="add del">
-          <ac:chgData name="Ermias Molla" userId="aaa09fd5ff7da740" providerId="LiveId" clId="{DA094B36-A951-4B30-AD36-E9EB18B93615}" dt="2022-07-19T02:13:45.007" v="742"/>
+        <pc:spChg chg="add del mod">
+          <ac:chgData name="Ermias Molla" userId="aaa09fd5ff7da740" providerId="LiveId" clId="{DA094B36-A951-4B30-AD36-E9EB18B93615}" dt="2022-07-23T13:17:25.864" v="4538" actId="34136"/>
           <ac:spMkLst>
             <pc:docMk/>
             <pc:sldMk cId="3667622933" sldId="263"/>
             <ac:spMk id="31" creationId="{1BB867FF-FC45-48F7-8104-F89BE54909F1}"/>
           </ac:spMkLst>
         </pc:spChg>
-        <pc:spChg chg="add del">
-          <ac:chgData name="Ermias Molla" userId="aaa09fd5ff7da740" providerId="LiveId" clId="{DA094B36-A951-4B30-AD36-E9EB18B93615}" dt="2022-07-19T02:13:45.007" v="742"/>
+        <pc:spChg chg="add del mod">
+          <ac:chgData name="Ermias Molla" userId="aaa09fd5ff7da740" providerId="LiveId" clId="{DA094B36-A951-4B30-AD36-E9EB18B93615}" dt="2022-07-23T13:17:25.864" v="4538" actId="34136"/>
           <ac:spMkLst>
             <pc:docMk/>
             <pc:sldMk cId="3667622933" sldId="263"/>
             <ac:spMk id="32" creationId="{8BB56887-D0D5-4F0C-9E19-7247EB83C8B7}"/>
           </ac:spMkLst>
         </pc:spChg>
-        <pc:spChg chg="add del">
-          <ac:chgData name="Ermias Molla" userId="aaa09fd5ff7da740" providerId="LiveId" clId="{DA094B36-A951-4B30-AD36-E9EB18B93615}" dt="2022-07-19T02:13:45.007" v="742"/>
+        <pc:spChg chg="add del mod">
+          <ac:chgData name="Ermias Molla" userId="aaa09fd5ff7da740" providerId="LiveId" clId="{DA094B36-A951-4B30-AD36-E9EB18B93615}" dt="2022-07-23T13:17:25.864" v="4538" actId="34136"/>
           <ac:spMkLst>
             <pc:docMk/>
             <pc:sldMk cId="3667622933" sldId="263"/>
@@ -1188,7 +1188,7 @@
           </ac:graphicFrameMkLst>
         </pc:graphicFrameChg>
         <pc:graphicFrameChg chg="add mod modGraphic">
-          <ac:chgData name="Ermias Molla" userId="aaa09fd5ff7da740" providerId="LiveId" clId="{DA094B36-A951-4B30-AD36-E9EB18B93615}" dt="2022-07-19T15:48:09.089" v="3722" actId="1076"/>
+          <ac:chgData name="Ermias Molla" userId="aaa09fd5ff7da740" providerId="LiveId" clId="{DA094B36-A951-4B30-AD36-E9EB18B93615}" dt="2022-07-23T13:17:25.864" v="4538" actId="34136"/>
           <ac:graphicFrameMkLst>
             <pc:docMk/>
             <pc:sldMk cId="3667622933" sldId="263"/>
@@ -1220,7 +1220,7 @@
           </ac:picMkLst>
         </pc:picChg>
         <pc:picChg chg="add mod">
-          <ac:chgData name="Ermias Molla" userId="aaa09fd5ff7da740" providerId="LiveId" clId="{DA094B36-A951-4B30-AD36-E9EB18B93615}" dt="2022-07-19T15:48:19.505" v="3724" actId="1076"/>
+          <ac:chgData name="Ermias Molla" userId="aaa09fd5ff7da740" providerId="LiveId" clId="{DA094B36-A951-4B30-AD36-E9EB18B93615}" dt="2022-07-23T13:17:25.864" v="4538" actId="34136"/>
           <ac:picMkLst>
             <pc:docMk/>
             <pc:sldMk cId="3667622933" sldId="263"/>
@@ -1577,7 +1577,7 @@
         </pc:spChg>
       </pc:sldChg>
       <pc:sldChg chg="addSp delSp modSp add mod ord setBg delDesignElem">
-        <pc:chgData name="Ermias Molla" userId="aaa09fd5ff7da740" providerId="LiveId" clId="{DA094B36-A951-4B30-AD36-E9EB18B93615}" dt="2022-07-22T23:38:44.648" v="4343" actId="6549"/>
+        <pc:chgData name="Ermias Molla" userId="aaa09fd5ff7da740" providerId="LiveId" clId="{DA094B36-A951-4B30-AD36-E9EB18B93615}" dt="2022-07-23T13:20:27.788" v="4548"/>
         <pc:sldMkLst>
           <pc:docMk/>
           <pc:sldMk cId="1844230848" sldId="268"/>
@@ -1599,7 +1599,7 @@
           </ac:spMkLst>
         </pc:spChg>
         <pc:spChg chg="add mod">
-          <ac:chgData name="Ermias Molla" userId="aaa09fd5ff7da740" providerId="LiveId" clId="{DA094B36-A951-4B30-AD36-E9EB18B93615}" dt="2022-07-22T23:38:44.648" v="4343" actId="6549"/>
+          <ac:chgData name="Ermias Molla" userId="aaa09fd5ff7da740" providerId="LiveId" clId="{DA094B36-A951-4B30-AD36-E9EB18B93615}" dt="2022-07-23T13:20:27.788" v="4548"/>
           <ac:spMkLst>
             <pc:docMk/>
             <pc:sldMk cId="1844230848" sldId="268"/>
@@ -1664,7 +1664,7 @@
         </pc:picChg>
       </pc:sldChg>
       <pc:sldChg chg="addSp delSp modSp add mod delDesignElem">
-        <pc:chgData name="Ermias Molla" userId="aaa09fd5ff7da740" providerId="LiveId" clId="{DA094B36-A951-4B30-AD36-E9EB18B93615}" dt="2022-07-20T03:27:36.407" v="4335" actId="20577"/>
+        <pc:chgData name="Ermias Molla" userId="aaa09fd5ff7da740" providerId="LiveId" clId="{DA094B36-A951-4B30-AD36-E9EB18B93615}" dt="2022-07-23T13:18:55.639" v="4543"/>
         <pc:sldMkLst>
           <pc:docMk/>
           <pc:sldMk cId="1773750854" sldId="269"/>
@@ -1678,7 +1678,7 @@
           </ac:spMkLst>
         </pc:spChg>
         <pc:spChg chg="mod ord">
-          <ac:chgData name="Ermias Molla" userId="aaa09fd5ff7da740" providerId="LiveId" clId="{DA094B36-A951-4B30-AD36-E9EB18B93615}" dt="2022-07-20T03:27:36.407" v="4335" actId="20577"/>
+          <ac:chgData name="Ermias Molla" userId="aaa09fd5ff7da740" providerId="LiveId" clId="{DA094B36-A951-4B30-AD36-E9EB18B93615}" dt="2022-07-23T13:18:55.639" v="4543"/>
           <ac:spMkLst>
             <pc:docMk/>
             <pc:sldMk cId="1773750854" sldId="269"/>
@@ -13433,7 +13433,7 @@
             </a:extLst>
           </p:cNvPr>
           <p:cNvSpPr>
-            <a:spLocks noGrp="1" noRot="1" noChangeAspect="1" noMove="1" noResize="1" noEditPoints="1" noAdjustHandles="1" noChangeArrowheads="1" noChangeShapeType="1" noTextEdit="1"/>
+            <a:spLocks noChangeAspect="1"/>
           </p:cNvSpPr>
           <p:nvPr>
             <p:extLst>
@@ -13555,7 +13555,7 @@
             </a:extLst>
           </p:cNvPr>
           <p:cNvSpPr>
-            <a:spLocks noGrp="1" noRot="1" noChangeAspect="1" noMove="1" noResize="1" noEditPoints="1" noAdjustHandles="1" noChangeArrowheads="1" noChangeShapeType="1" noTextEdit="1"/>
+            <a:spLocks noChangeAspect="1"/>
           </p:cNvSpPr>
           <p:nvPr>
             <p:extLst>
@@ -13775,7 +13775,7 @@
             </a:extLst>
           </p:cNvPr>
           <p:cNvSpPr>
-            <a:spLocks noGrp="1" noRot="1" noChangeAspect="1" noMove="1" noResize="1" noEditPoints="1" noAdjustHandles="1" noChangeArrowheads="1" noChangeShapeType="1" noTextEdit="1"/>
+            <a:spLocks noChangeAspect="1"/>
           </p:cNvSpPr>
           <p:nvPr>
             <p:extLst>
@@ -13864,7 +13864,7 @@
             </a:extLst>
           </p:cNvPr>
           <p:cNvSpPr>
-            <a:spLocks noGrp="1" noRot="1" noChangeAspect="1" noMove="1" noResize="1" noEditPoints="1" noAdjustHandles="1" noChangeArrowheads="1" noChangeShapeType="1" noTextEdit="1"/>
+            <a:spLocks noChangeAspect="1"/>
           </p:cNvSpPr>
           <p:nvPr>
             <p:extLst>
@@ -14013,7 +14013,7 @@
             </a:extLst>
           </p:cNvPr>
           <p:cNvSpPr>
-            <a:spLocks noGrp="1" noRot="1" noChangeAspect="1" noMove="1" noResize="1" noEditPoints="1" noAdjustHandles="1" noChangeArrowheads="1" noChangeShapeType="1" noTextEdit="1"/>
+            <a:spLocks noChangeAspect="1"/>
           </p:cNvSpPr>
           <p:nvPr>
             <p:extLst>
@@ -14135,12 +14135,12 @@
             </a:extLst>
           </p:cNvPr>
           <p:cNvGraphicFramePr>
-            <a:graphicFrameLocks noGrp="1"/>
+            <a:graphicFrameLocks/>
           </p:cNvGraphicFramePr>
           <p:nvPr>
             <p:extLst>
               <p:ext uri="{D42A27DB-BD31-4B8C-83A1-F6EECF244321}">
-                <p14:modId xmlns:p14="http://schemas.microsoft.com/office/powerpoint/2010/main" val="3958450861"/>
+                <p14:modId xmlns:p14="http://schemas.microsoft.com/office/powerpoint/2010/main" val="3360925700"/>
               </p:ext>
             </p:extLst>
           </p:nvPr>
@@ -14368,7 +14368,7 @@
             </a:extLst>
           </p:cNvPr>
           <p:cNvSpPr>
-            <a:spLocks noGrp="1"/>
+            <a:spLocks/>
           </p:cNvSpPr>
           <p:nvPr>
             <p:ph type="title"/>
@@ -14377,7 +14377,7 @@
         <p:spPr>
           <a:xfrm>
             <a:off x="2322641" y="238999"/>
-            <a:ext cx="7743185" cy="1325563"/>
+            <a:ext cx="8171792" cy="1325563"/>
           </a:xfrm>
         </p:spPr>
         <p:txBody>
@@ -14387,36 +14387,8 @@
           <a:lstStyle/>
           <a:p>
             <a:r>
-              <a:rPr lang="en-US" sz="2400" kern="1200" dirty="0">
-                <a:solidFill>
-                  <a:schemeClr val="tx1"/>
-                </a:solidFill>
-                <a:latin typeface="+mj-lt"/>
-                <a:ea typeface="+mj-ea"/>
-                <a:cs typeface="+mj-cs"/>
-              </a:rPr>
-              <a:t>Casual riders are riding for longer periods of time,</a:t>
-            </a:r>
-            <a:br>
-              <a:rPr lang="en-US" sz="2400" kern="1200" dirty="0">
-                <a:solidFill>
-                  <a:schemeClr val="tx1"/>
-                </a:solidFill>
-                <a:latin typeface="+mj-lt"/>
-                <a:ea typeface="+mj-ea"/>
-                <a:cs typeface="+mj-cs"/>
-              </a:rPr>
-            </a:br>
-            <a:r>
-              <a:rPr lang="en-US" sz="2400" kern="1200" dirty="0">
-                <a:solidFill>
-                  <a:schemeClr val="tx1"/>
-                </a:solidFill>
-                <a:latin typeface="+mj-lt"/>
-                <a:ea typeface="+mj-ea"/>
-                <a:cs typeface="+mj-cs"/>
-              </a:rPr>
-              <a:t>on average more than double the time of Members.</a:t>
+              <a:rPr lang="en-US" sz="2400" dirty="0"/>
+              <a:t>Casual riders are riding for longer periods of time, with an average more than double the time of Members.</a:t>
             </a:r>
           </a:p>
         </p:txBody>
@@ -14491,23 +14463,7 @@
               <a:rPr lang="en-US" sz="2000" b="1" dirty="0">
                 <a:latin typeface="+mn-lt"/>
               </a:rPr>
-              <a:t>Both Casual and Member riders have significant lows in the Winter Season.</a:t>
-            </a:r>
-            <a:br>
-              <a:rPr lang="en-US" sz="2000" b="1" dirty="0">
-                <a:latin typeface="+mn-lt"/>
-              </a:rPr>
-            </a:br>
-            <a:br>
-              <a:rPr lang="en-US" sz="2000" b="1" dirty="0">
-                <a:latin typeface="+mn-lt"/>
-              </a:rPr>
-            </a:br>
-            <a:r>
-              <a:rPr lang="en-US" sz="2000" b="1" dirty="0">
-                <a:latin typeface="+mn-lt"/>
-              </a:rPr>
-              <a:t>Casual Riders have a wider range from Highest use to lowest use.</a:t>
+              <a:t>Both Casual and Member riders have significant lows in the winter season. Casual Riders have a wider range from highest use to lowest</a:t>
             </a:r>
           </a:p>
         </p:txBody>
@@ -15241,13 +15197,7 @@
           <a:p>
             <a:r>
               <a:rPr lang="en-US" sz="2000" b="1" dirty="0"/>
-              <a:t>Member Riders have peaks at 8 A.M. and 5 P.M. correlating with work shifts.</a:t>
-            </a:r>
-          </a:p>
-          <a:p>
-            <a:r>
-              <a:rPr lang="en-US" sz="2000" b="1" dirty="0"/>
-              <a:t>Casual Riders have A gradual increase until Peak rides at 5 P.M.</a:t>
+              <a:t>Member Riders have peaks at 8 A.M. and 5 P.M. correlating with work shifts. Casual Riders have a gradual increase until peak rides at 5 P.M.</a:t>
             </a:r>
           </a:p>
         </p:txBody>
@@ -15407,17 +15357,7 @@
           <a:p>
             <a:r>
               <a:rPr lang="en-US" sz="2000" dirty="0"/>
-              <a:t>Casual riders have a wide range of riders per day which peak on Weekends</a:t>
-            </a:r>
-            <a:br>
-              <a:rPr lang="en-US" sz="2000" dirty="0"/>
-            </a:br>
-            <a:br>
-              <a:rPr lang="en-US" sz="2000" dirty="0"/>
-            </a:br>
-            <a:r>
-              <a:rPr lang="en-US" sz="2000" dirty="0"/>
-              <a:t>Members are steady throughout the Week with slight dips on Weekends</a:t>
+              <a:t>Casual riders have a wide range of riders per day which peak on weekends, members are steady throughout the Week with slight dips on weekends</a:t>
             </a:r>
           </a:p>
         </p:txBody>
@@ -16152,7 +16092,7 @@
         </p:spPr>
         <p:txBody>
           <a:bodyPr vert="horz" lIns="91440" tIns="45720" rIns="91440" bIns="45720" rtlCol="0" anchor="b">
-            <a:normAutofit fontScale="92500" lnSpcReduction="10000"/>
+            <a:normAutofit/>
           </a:bodyPr>
           <a:lstStyle>
             <a:lvl1pPr algn="l" defTabSz="914400" rtl="0" eaLnBrk="1" latinLnBrk="0" hangingPunct="1">
@@ -16182,7 +16122,7 @@
               <a:rPr lang="en-US" sz="1600" dirty="0">
                 <a:latin typeface="+mn-lt"/>
               </a:rPr>
-              <a:t>Casual: More likely to use bikes near lake Michigan and other tourist hotspots with more rides on weekends indicating people are using the bike for leisure</a:t>
+              <a:t>Casual: More likely to use bikes near lake Michigan and other tourist hot spots with more rides on weekends indicating people are using the bikes for leisure.</a:t>
             </a:r>
           </a:p>
           <a:p>
@@ -16217,30 +16157,15 @@
               <a:buFont typeface="Arial" panose="020B0604020202020204" pitchFamily="34" charset="0"/>
               <a:buChar char="•"/>
             </a:pPr>
-            <a:endParaRPr lang="en-US" sz="1600" dirty="0">
-              <a:latin typeface="+mn-lt"/>
-            </a:endParaRPr>
-          </a:p>
-          <a:p>
-            <a:pPr marL="457200" indent="-457200">
-              <a:buFont typeface="Arial" panose="020B0604020202020204" pitchFamily="34" charset="0"/>
-              <a:buChar char="•"/>
-            </a:pPr>
-            <a:endParaRPr lang="en-US" sz="1600" dirty="0">
-              <a:latin typeface="+mn-lt"/>
-            </a:endParaRPr>
-          </a:p>
-          <a:p>
-            <a:pPr marL="457200" indent="-457200">
-              <a:buFont typeface="Arial" panose="020B0604020202020204" pitchFamily="34" charset="0"/>
-              <a:buChar char="•"/>
-            </a:pPr>
             <a:r>
-              <a:rPr lang="en-US" sz="1600" dirty="0">
+              <a:rPr lang="en-US" sz="1600">
                 <a:latin typeface="+mn-lt"/>
               </a:rPr>
               <a:t>Members: More likely to use in the downtown area and on weekdays, indicating these users are commuters to the city for work.</a:t>
             </a:r>
+            <a:endParaRPr lang="en-US" sz="1600" dirty="0">
+              <a:latin typeface="+mn-lt"/>
+            </a:endParaRPr>
           </a:p>
         </p:txBody>
       </p:sp>
